--- a/PLPTH813Bioinformatis/2021/labs/lab04_NGS.pptx
+++ b/PLPTH813Bioinformatis/2021/labs/lab04_NGS.pptx
@@ -5,7 +5,7 @@
     <p:sldMasterId id="2147483648" r:id="rId1"/>
   </p:sldMasterIdLst>
   <p:notesMasterIdLst>
-    <p:notesMasterId r:id="rId22"/>
+    <p:notesMasterId r:id="rId23"/>
   </p:notesMasterIdLst>
   <p:sldIdLst>
     <p:sldId id="256" r:id="rId2"/>
@@ -14,20 +14,21 @@
     <p:sldId id="271" r:id="rId5"/>
     <p:sldId id="275" r:id="rId6"/>
     <p:sldId id="297" r:id="rId7"/>
-    <p:sldId id="296" r:id="rId8"/>
-    <p:sldId id="289" r:id="rId9"/>
-    <p:sldId id="280" r:id="rId10"/>
-    <p:sldId id="276" r:id="rId11"/>
-    <p:sldId id="277" r:id="rId12"/>
-    <p:sldId id="278" r:id="rId13"/>
-    <p:sldId id="279" r:id="rId14"/>
-    <p:sldId id="281" r:id="rId15"/>
-    <p:sldId id="282" r:id="rId16"/>
-    <p:sldId id="298" r:id="rId17"/>
-    <p:sldId id="283" r:id="rId18"/>
-    <p:sldId id="285" r:id="rId19"/>
-    <p:sldId id="287" r:id="rId20"/>
-    <p:sldId id="286" r:id="rId21"/>
+    <p:sldId id="299" r:id="rId8"/>
+    <p:sldId id="296" r:id="rId9"/>
+    <p:sldId id="289" r:id="rId10"/>
+    <p:sldId id="280" r:id="rId11"/>
+    <p:sldId id="276" r:id="rId12"/>
+    <p:sldId id="277" r:id="rId13"/>
+    <p:sldId id="278" r:id="rId14"/>
+    <p:sldId id="279" r:id="rId15"/>
+    <p:sldId id="281" r:id="rId16"/>
+    <p:sldId id="282" r:id="rId17"/>
+    <p:sldId id="298" r:id="rId18"/>
+    <p:sldId id="283" r:id="rId19"/>
+    <p:sldId id="285" r:id="rId20"/>
+    <p:sldId id="287" r:id="rId21"/>
+    <p:sldId id="286" r:id="rId22"/>
   </p:sldIdLst>
   <p:sldSz cx="9144000" cy="6858000" type="screen4x3"/>
   <p:notesSz cx="6858000" cy="9144000"/>
@@ -227,7 +228,7 @@
           <a:p>
             <a:fld id="{08E6E0A8-E17C-C949-B17E-7A1A6494483A}" type="datetimeFigureOut">
               <a:rPr lang="en-US" smtClean="0"/>
-              <a:t>2/28/21</a:t>
+              <a:t>3/3/21</a:t>
             </a:fld>
             <a:endParaRPr lang="en-US"/>
           </a:p>
@@ -673,7 +674,7 @@
           <a:p>
             <a:fld id="{42B8B0BE-C8D7-EB48-AD68-71DB5002F24B}" type="datetimeFigureOut">
               <a:rPr lang="en-US" smtClean="0"/>
-              <a:t>2/28/21</a:t>
+              <a:t>3/3/21</a:t>
             </a:fld>
             <a:endParaRPr lang="en-US"/>
           </a:p>
@@ -841,7 +842,7 @@
           <a:p>
             <a:fld id="{42B8B0BE-C8D7-EB48-AD68-71DB5002F24B}" type="datetimeFigureOut">
               <a:rPr lang="en-US" smtClean="0"/>
-              <a:t>2/28/21</a:t>
+              <a:t>3/3/21</a:t>
             </a:fld>
             <a:endParaRPr lang="en-US"/>
           </a:p>
@@ -1019,7 +1020,7 @@
           <a:p>
             <a:fld id="{42B8B0BE-C8D7-EB48-AD68-71DB5002F24B}" type="datetimeFigureOut">
               <a:rPr lang="en-US" smtClean="0"/>
-              <a:t>2/28/21</a:t>
+              <a:t>3/3/21</a:t>
             </a:fld>
             <a:endParaRPr lang="en-US"/>
           </a:p>
@@ -1187,7 +1188,7 @@
           <a:p>
             <a:fld id="{42B8B0BE-C8D7-EB48-AD68-71DB5002F24B}" type="datetimeFigureOut">
               <a:rPr lang="en-US" smtClean="0"/>
-              <a:t>2/28/21</a:t>
+              <a:t>3/3/21</a:t>
             </a:fld>
             <a:endParaRPr lang="en-US"/>
           </a:p>
@@ -1432,7 +1433,7 @@
           <a:p>
             <a:fld id="{42B8B0BE-C8D7-EB48-AD68-71DB5002F24B}" type="datetimeFigureOut">
               <a:rPr lang="en-US" smtClean="0"/>
-              <a:t>2/28/21</a:t>
+              <a:t>3/3/21</a:t>
             </a:fld>
             <a:endParaRPr lang="en-US"/>
           </a:p>
@@ -1717,7 +1718,7 @@
           <a:p>
             <a:fld id="{42B8B0BE-C8D7-EB48-AD68-71DB5002F24B}" type="datetimeFigureOut">
               <a:rPr lang="en-US" smtClean="0"/>
-              <a:t>2/28/21</a:t>
+              <a:t>3/3/21</a:t>
             </a:fld>
             <a:endParaRPr lang="en-US"/>
           </a:p>
@@ -2136,7 +2137,7 @@
           <a:p>
             <a:fld id="{42B8B0BE-C8D7-EB48-AD68-71DB5002F24B}" type="datetimeFigureOut">
               <a:rPr lang="en-US" smtClean="0"/>
-              <a:t>2/28/21</a:t>
+              <a:t>3/3/21</a:t>
             </a:fld>
             <a:endParaRPr lang="en-US"/>
           </a:p>
@@ -2253,7 +2254,7 @@
           <a:p>
             <a:fld id="{42B8B0BE-C8D7-EB48-AD68-71DB5002F24B}" type="datetimeFigureOut">
               <a:rPr lang="en-US" smtClean="0"/>
-              <a:t>2/28/21</a:t>
+              <a:t>3/3/21</a:t>
             </a:fld>
             <a:endParaRPr lang="en-US"/>
           </a:p>
@@ -2348,7 +2349,7 @@
           <a:p>
             <a:fld id="{42B8B0BE-C8D7-EB48-AD68-71DB5002F24B}" type="datetimeFigureOut">
               <a:rPr lang="en-US" smtClean="0"/>
-              <a:t>2/28/21</a:t>
+              <a:t>3/3/21</a:t>
             </a:fld>
             <a:endParaRPr lang="en-US"/>
           </a:p>
@@ -2623,7 +2624,7 @@
           <a:p>
             <a:fld id="{42B8B0BE-C8D7-EB48-AD68-71DB5002F24B}" type="datetimeFigureOut">
               <a:rPr lang="en-US" smtClean="0"/>
-              <a:t>2/28/21</a:t>
+              <a:t>3/3/21</a:t>
             </a:fld>
             <a:endParaRPr lang="en-US"/>
           </a:p>
@@ -2875,7 +2876,7 @@
           <a:p>
             <a:fld id="{42B8B0BE-C8D7-EB48-AD68-71DB5002F24B}" type="datetimeFigureOut">
               <a:rPr lang="en-US" smtClean="0"/>
-              <a:t>2/28/21</a:t>
+              <a:t>3/3/21</a:t>
             </a:fld>
             <a:endParaRPr lang="en-US"/>
           </a:p>
@@ -3086,7 +3087,7 @@
           <a:p>
             <a:fld id="{42B8B0BE-C8D7-EB48-AD68-71DB5002F24B}" type="datetimeFigureOut">
               <a:rPr lang="en-US" smtClean="0"/>
-              <a:t>2/28/21</a:t>
+              <a:t>3/3/21</a:t>
             </a:fld>
             <a:endParaRPr lang="en-US"/>
           </a:p>
@@ -3604,10 +3605,7 @@
               <a:rPr lang="en-US" dirty="0" err="1"/>
               <a:t>seqtk</a:t>
             </a:r>
-            <a:r>
-              <a:rPr lang="en-US" dirty="0"/>
-              <a:t> - I</a:t>
-            </a:r>
+            <a:endParaRPr lang="en-US" dirty="0"/>
           </a:p>
         </p:txBody>
       </p:sp>
@@ -3623,8 +3621,8 @@
         </p:nvSpPr>
         <p:spPr>
           <a:xfrm>
-            <a:off x="457199" y="1229809"/>
-            <a:ext cx="8447747" cy="4227055"/>
+            <a:off x="457200" y="2615076"/>
+            <a:ext cx="8229600" cy="3257113"/>
           </a:xfrm>
         </p:spPr>
         <p:txBody>
@@ -3637,260 +3635,277 @@
               <a:buNone/>
             </a:pPr>
             <a:r>
-              <a:rPr lang="en-US" sz="2000" dirty="0"/>
-              <a:t># randomly sample 10 reads:</a:t>
-            </a:r>
-          </a:p>
-          <a:p>
-            <a:pPr marL="0" indent="0">
-              <a:buNone/>
-            </a:pPr>
-            <a:r>
-              <a:rPr lang="en-US" sz="2000" dirty="0" err="1">
+              <a:rPr lang="en-US" dirty="0"/>
+              <a:t># list of modules</a:t>
+            </a:r>
+          </a:p>
+          <a:p>
+            <a:pPr marL="0" indent="0">
+              <a:buNone/>
+            </a:pPr>
+            <a:r>
+              <a:rPr lang="en-US" dirty="0">
+                <a:solidFill>
+                  <a:schemeClr val="bg1">
+                    <a:lumMod val="75000"/>
+                  </a:schemeClr>
+                </a:solidFill>
+                <a:latin typeface="Courier"/>
+                <a:cs typeface="Courier"/>
+              </a:rPr>
+              <a:t>/homes/liu3zhen/local/bin/</a:t>
+            </a:r>
+            <a:r>
+              <a:rPr lang="en-US" dirty="0" err="1">
                 <a:latin typeface="Courier"/>
                 <a:cs typeface="Courier"/>
               </a:rPr>
               <a:t>seqtk</a:t>
             </a:r>
-            <a:r>
-              <a:rPr lang="en-US" sz="2000" dirty="0">
-                <a:latin typeface="Courier"/>
-                <a:cs typeface="Courier"/>
-              </a:rPr>
-              <a:t> sample DH10B.pair1.fq 10 &gt; </a:t>
-            </a:r>
-            <a:r>
-              <a:rPr lang="en-US" sz="2000" dirty="0" err="1">
-                <a:latin typeface="Courier"/>
-                <a:cs typeface="Courier"/>
-              </a:rPr>
-              <a:t>example.fq</a:t>
-            </a:r>
-            <a:endParaRPr lang="en-US" sz="2000" dirty="0">
+            <a:endParaRPr lang="en-US" dirty="0">
               <a:latin typeface="Courier"/>
               <a:cs typeface="Courier"/>
             </a:endParaRPr>
           </a:p>
           <a:p>
-            <a:endParaRPr lang="en-US" sz="2000" dirty="0"/>
-          </a:p>
-          <a:p>
-            <a:pPr marL="0" indent="0">
-              <a:buNone/>
-            </a:pPr>
-            <a:r>
-              <a:rPr lang="en-US" sz="2000" dirty="0"/>
-              <a:t># convert FASTQ to FASTA</a:t>
-            </a:r>
-          </a:p>
-          <a:p>
-            <a:pPr marL="0" indent="0">
-              <a:buNone/>
-            </a:pPr>
-            <a:r>
-              <a:rPr lang="en-US" sz="2000" dirty="0" err="1">
+            <a:pPr marL="0" indent="0">
+              <a:buNone/>
+            </a:pPr>
+            <a:endParaRPr lang="en-US" dirty="0"/>
+          </a:p>
+          <a:p>
+            <a:pPr marL="0" indent="0">
+              <a:buNone/>
+            </a:pPr>
+            <a:r>
+              <a:rPr lang="en-US" dirty="0"/>
+              <a:t># detail for each module</a:t>
+            </a:r>
+          </a:p>
+          <a:p>
+            <a:pPr marL="0" indent="0">
+              <a:buNone/>
+            </a:pPr>
+            <a:r>
+              <a:rPr lang="en-US" dirty="0">
+                <a:solidFill>
+                  <a:srgbClr val="BFBFBF"/>
+                </a:solidFill>
+                <a:latin typeface="Courier"/>
+                <a:cs typeface="Courier"/>
+              </a:rPr>
+              <a:t>/homes/liu3zhen/local/bin/</a:t>
+            </a:r>
+            <a:r>
+              <a:rPr lang="en-US" dirty="0" err="1">
                 <a:latin typeface="Courier"/>
                 <a:cs typeface="Courier"/>
               </a:rPr>
               <a:t>seqtk</a:t>
             </a:r>
             <a:r>
-              <a:rPr lang="en-US" sz="2000" dirty="0">
+              <a:rPr lang="en-US" dirty="0">
                 <a:latin typeface="Courier"/>
                 <a:cs typeface="Courier"/>
               </a:rPr>
               <a:t> </a:t>
             </a:r>
             <a:r>
-              <a:rPr lang="en-US" sz="2000" dirty="0" err="1">
+              <a:rPr lang="en-US" dirty="0" err="1">
                 <a:latin typeface="Courier"/>
                 <a:cs typeface="Courier"/>
               </a:rPr>
               <a:t>seq</a:t>
             </a:r>
-            <a:r>
-              <a:rPr lang="en-US" sz="2000" dirty="0">
-                <a:latin typeface="Courier"/>
-                <a:cs typeface="Courier"/>
-              </a:rPr>
-              <a:t> </a:t>
-            </a:r>
-            <a:r>
-              <a:rPr lang="en-US" sz="2000" dirty="0" err="1">
-                <a:latin typeface="Courier"/>
-                <a:cs typeface="Courier"/>
-              </a:rPr>
-              <a:t>example.fq</a:t>
-            </a:r>
-            <a:r>
-              <a:rPr lang="en-US" sz="2000" dirty="0">
-                <a:latin typeface="Courier"/>
-                <a:cs typeface="Courier"/>
-              </a:rPr>
-              <a:t> -A &gt; </a:t>
-            </a:r>
-            <a:r>
-              <a:rPr lang="en-US" sz="2000" dirty="0" err="1">
-                <a:latin typeface="Courier"/>
-                <a:cs typeface="Courier"/>
-              </a:rPr>
-              <a:t>example.fa</a:t>
-            </a:r>
-            <a:endParaRPr lang="en-US" sz="2000" dirty="0">
+            <a:endParaRPr lang="en-US" dirty="0">
               <a:latin typeface="Courier"/>
               <a:cs typeface="Courier"/>
             </a:endParaRPr>
           </a:p>
-          <a:p>
-            <a:endParaRPr lang="en-US" sz="2000" dirty="0"/>
-          </a:p>
-          <a:p>
-            <a:pPr marL="0" indent="0">
-              <a:buNone/>
-            </a:pPr>
-            <a:r>
-              <a:rPr lang="en-US" sz="2000" dirty="0"/>
-              <a:t># format FASTA file</a:t>
-            </a:r>
-          </a:p>
-          <a:p>
-            <a:pPr marL="0" indent="0">
-              <a:buNone/>
-            </a:pPr>
-            <a:r>
-              <a:rPr lang="en-US" sz="2000" dirty="0" err="1">
-                <a:latin typeface="Courier"/>
-                <a:cs typeface="Courier"/>
+        </p:txBody>
+      </p:sp>
+      <p:sp>
+        <p:nvSpPr>
+          <p:cNvPr id="5" name="Content Placeholder 2"/>
+          <p:cNvSpPr txBox="1">
+            <a:spLocks/>
+          </p:cNvSpPr>
+          <p:nvPr/>
+        </p:nvSpPr>
+        <p:spPr>
+          <a:xfrm>
+            <a:off x="277805" y="1337468"/>
+            <a:ext cx="8641719" cy="533997"/>
+          </a:xfrm>
+          <a:prstGeom prst="rect">
+            <a:avLst/>
+          </a:prstGeom>
+        </p:spPr>
+        <p:txBody>
+          <a:bodyPr vert="horz" lIns="91440" tIns="45720" rIns="91440" bIns="45720" rtlCol="0">
+            <a:normAutofit/>
+          </a:bodyPr>
+          <a:lstStyle>
+            <a:lvl1pPr marL="342900" indent="-342900" algn="l" defTabSz="457200" rtl="0" eaLnBrk="1" latinLnBrk="0" hangingPunct="1">
+              <a:spcBef>
+                <a:spcPct val="20000"/>
+              </a:spcBef>
+              <a:buFont typeface="Arial"/>
+              <a:buChar char="•"/>
+              <a:defRPr sz="2400" kern="1200">
+                <a:solidFill>
+                  <a:schemeClr val="tx1"/>
+                </a:solidFill>
+                <a:latin typeface="+mn-lt"/>
+                <a:ea typeface="+mn-ea"/>
+                <a:cs typeface="+mn-cs"/>
+              </a:defRPr>
+            </a:lvl1pPr>
+            <a:lvl2pPr marL="742950" indent="-285750" algn="l" defTabSz="457200" rtl="0" eaLnBrk="1" latinLnBrk="0" hangingPunct="1">
+              <a:spcBef>
+                <a:spcPct val="20000"/>
+              </a:spcBef>
+              <a:buFont typeface="Arial"/>
+              <a:buChar char="–"/>
+              <a:defRPr sz="2400" kern="1200">
+                <a:solidFill>
+                  <a:schemeClr val="tx1"/>
+                </a:solidFill>
+                <a:latin typeface="+mn-lt"/>
+                <a:ea typeface="+mn-ea"/>
+                <a:cs typeface="+mn-cs"/>
+              </a:defRPr>
+            </a:lvl2pPr>
+            <a:lvl3pPr marL="1143000" indent="-228600" algn="l" defTabSz="457200" rtl="0" eaLnBrk="1" latinLnBrk="0" hangingPunct="1">
+              <a:spcBef>
+                <a:spcPct val="20000"/>
+              </a:spcBef>
+              <a:buFont typeface="Arial"/>
+              <a:buChar char="•"/>
+              <a:defRPr sz="2400" kern="1200">
+                <a:solidFill>
+                  <a:schemeClr val="tx1"/>
+                </a:solidFill>
+                <a:latin typeface="+mn-lt"/>
+                <a:ea typeface="+mn-ea"/>
+                <a:cs typeface="+mn-cs"/>
+              </a:defRPr>
+            </a:lvl3pPr>
+            <a:lvl4pPr marL="1600200" indent="-228600" algn="l" defTabSz="457200" rtl="0" eaLnBrk="1" latinLnBrk="0" hangingPunct="1">
+              <a:spcBef>
+                <a:spcPct val="20000"/>
+              </a:spcBef>
+              <a:buFont typeface="Arial"/>
+              <a:buChar char="–"/>
+              <a:defRPr sz="2400" kern="1200">
+                <a:solidFill>
+                  <a:schemeClr val="tx1"/>
+                </a:solidFill>
+                <a:latin typeface="+mn-lt"/>
+                <a:ea typeface="+mn-ea"/>
+                <a:cs typeface="+mn-cs"/>
+              </a:defRPr>
+            </a:lvl4pPr>
+            <a:lvl5pPr marL="2057400" indent="-228600" algn="l" defTabSz="457200" rtl="0" eaLnBrk="1" latinLnBrk="0" hangingPunct="1">
+              <a:spcBef>
+                <a:spcPct val="20000"/>
+              </a:spcBef>
+              <a:buFont typeface="Arial"/>
+              <a:buChar char="»"/>
+              <a:defRPr sz="2400" kern="1200">
+                <a:solidFill>
+                  <a:schemeClr val="tx1"/>
+                </a:solidFill>
+                <a:latin typeface="+mn-lt"/>
+                <a:ea typeface="+mn-ea"/>
+                <a:cs typeface="+mn-cs"/>
+              </a:defRPr>
+            </a:lvl5pPr>
+            <a:lvl6pPr marL="2514600" indent="-228600" algn="l" defTabSz="457200" rtl="0" eaLnBrk="1" latinLnBrk="0" hangingPunct="1">
+              <a:spcBef>
+                <a:spcPct val="20000"/>
+              </a:spcBef>
+              <a:buFont typeface="Arial"/>
+              <a:buChar char="•"/>
+              <a:defRPr sz="2000" kern="1200">
+                <a:solidFill>
+                  <a:schemeClr val="tx1"/>
+                </a:solidFill>
+                <a:latin typeface="+mn-lt"/>
+                <a:ea typeface="+mn-ea"/>
+                <a:cs typeface="+mn-cs"/>
+              </a:defRPr>
+            </a:lvl6pPr>
+            <a:lvl7pPr marL="2971800" indent="-228600" algn="l" defTabSz="457200" rtl="0" eaLnBrk="1" latinLnBrk="0" hangingPunct="1">
+              <a:spcBef>
+                <a:spcPct val="20000"/>
+              </a:spcBef>
+              <a:buFont typeface="Arial"/>
+              <a:buChar char="•"/>
+              <a:defRPr sz="2000" kern="1200">
+                <a:solidFill>
+                  <a:schemeClr val="tx1"/>
+                </a:solidFill>
+                <a:latin typeface="+mn-lt"/>
+                <a:ea typeface="+mn-ea"/>
+                <a:cs typeface="+mn-cs"/>
+              </a:defRPr>
+            </a:lvl7pPr>
+            <a:lvl8pPr marL="3429000" indent="-228600" algn="l" defTabSz="457200" rtl="0" eaLnBrk="1" latinLnBrk="0" hangingPunct="1">
+              <a:spcBef>
+                <a:spcPct val="20000"/>
+              </a:spcBef>
+              <a:buFont typeface="Arial"/>
+              <a:buChar char="•"/>
+              <a:defRPr sz="2000" kern="1200">
+                <a:solidFill>
+                  <a:schemeClr val="tx1"/>
+                </a:solidFill>
+                <a:latin typeface="+mn-lt"/>
+                <a:ea typeface="+mn-ea"/>
+                <a:cs typeface="+mn-cs"/>
+              </a:defRPr>
+            </a:lvl8pPr>
+            <a:lvl9pPr marL="3886200" indent="-228600" algn="l" defTabSz="457200" rtl="0" eaLnBrk="1" latinLnBrk="0" hangingPunct="1">
+              <a:spcBef>
+                <a:spcPct val="20000"/>
+              </a:spcBef>
+              <a:buFont typeface="Arial"/>
+              <a:buChar char="•"/>
+              <a:defRPr sz="2000" kern="1200">
+                <a:solidFill>
+                  <a:schemeClr val="tx1"/>
+                </a:solidFill>
+                <a:latin typeface="+mn-lt"/>
+                <a:ea typeface="+mn-ea"/>
+                <a:cs typeface="+mn-cs"/>
+              </a:defRPr>
+            </a:lvl9pPr>
+          </a:lstStyle>
+          <a:p>
+            <a:pPr marL="0" indent="0">
+              <a:buFont typeface="Arial"/>
+              <a:buNone/>
+            </a:pPr>
+            <a:r>
+              <a:rPr lang="en-US" b="1" dirty="0" err="1">
+                <a:solidFill>
+                  <a:srgbClr val="17375E"/>
+                </a:solidFill>
               </a:rPr>
               <a:t>seqtk</a:t>
             </a:r>
             <a:r>
-              <a:rPr lang="en-US" sz="2000" dirty="0">
-                <a:latin typeface="Courier"/>
-                <a:cs typeface="Courier"/>
-              </a:rPr>
-              <a:t> </a:t>
-            </a:r>
-            <a:r>
-              <a:rPr lang="en-US" sz="2000" dirty="0" err="1">
-                <a:latin typeface="Courier"/>
-                <a:cs typeface="Courier"/>
-              </a:rPr>
-              <a:t>seq</a:t>
-            </a:r>
-            <a:r>
-              <a:rPr lang="en-US" sz="2000" dirty="0">
-                <a:latin typeface="Courier"/>
-                <a:cs typeface="Courier"/>
-              </a:rPr>
-              <a:t> </a:t>
-            </a:r>
-            <a:r>
-              <a:rPr lang="en-US" sz="2000" dirty="0" err="1">
-                <a:latin typeface="Courier"/>
-                <a:cs typeface="Courier"/>
-              </a:rPr>
-              <a:t>example.fa</a:t>
-            </a:r>
-            <a:r>
-              <a:rPr lang="en-US" sz="2000" dirty="0">
-                <a:latin typeface="Courier"/>
-                <a:cs typeface="Courier"/>
-              </a:rPr>
-              <a:t> -l 60 &gt; example.60perline.fa</a:t>
-            </a:r>
-          </a:p>
-          <a:p>
-            <a:pPr marL="0" indent="0">
-              <a:buNone/>
-            </a:pPr>
-            <a:endParaRPr lang="en-US" sz="2000" dirty="0"/>
-          </a:p>
-          <a:p>
-            <a:pPr marL="0" indent="0">
-              <a:buNone/>
-            </a:pPr>
-            <a:r>
-              <a:rPr lang="en-US" sz="2000" dirty="0"/>
-              <a:t># reverse complement each sequence</a:t>
-            </a:r>
-          </a:p>
-          <a:p>
-            <a:pPr marL="0" indent="0">
-              <a:buNone/>
-            </a:pPr>
-            <a:r>
-              <a:rPr lang="en-US" sz="2000" dirty="0" err="1">
-                <a:latin typeface="Courier"/>
-                <a:cs typeface="Courier"/>
-              </a:rPr>
-              <a:t>seqtk</a:t>
-            </a:r>
-            <a:r>
-              <a:rPr lang="en-US" sz="2000" dirty="0">
-                <a:latin typeface="Courier"/>
-                <a:cs typeface="Courier"/>
-              </a:rPr>
-              <a:t> </a:t>
-            </a:r>
-            <a:r>
-              <a:rPr lang="en-US" sz="2000" dirty="0" err="1">
-                <a:latin typeface="Courier"/>
-                <a:cs typeface="Courier"/>
-              </a:rPr>
-              <a:t>seq</a:t>
-            </a:r>
-            <a:r>
-              <a:rPr lang="en-US" sz="2000" dirty="0">
-                <a:latin typeface="Courier"/>
-                <a:cs typeface="Courier"/>
-              </a:rPr>
-              <a:t> -r </a:t>
-            </a:r>
-            <a:r>
-              <a:rPr lang="en-US" sz="2000" dirty="0" err="1">
-                <a:latin typeface="Courier"/>
-                <a:cs typeface="Courier"/>
-              </a:rPr>
-              <a:t>example.fq</a:t>
-            </a:r>
-            <a:r>
-              <a:rPr lang="en-US" sz="2000" dirty="0">
-                <a:latin typeface="Courier"/>
-                <a:cs typeface="Courier"/>
-              </a:rPr>
-              <a:t> &gt; </a:t>
-            </a:r>
-            <a:r>
-              <a:rPr lang="en-US" sz="2000" dirty="0" err="1">
-                <a:latin typeface="Courier"/>
-                <a:cs typeface="Courier"/>
-              </a:rPr>
-              <a:t>example.revcom.fq</a:t>
-            </a:r>
-            <a:endParaRPr lang="en-US" sz="2000" dirty="0">
-              <a:latin typeface="Courier"/>
-              <a:cs typeface="Courier"/>
-            </a:endParaRPr>
-          </a:p>
-          <a:p>
-            <a:endParaRPr lang="en-US" sz="2000" dirty="0"/>
-          </a:p>
-          <a:p>
-            <a:endParaRPr lang="en-US" sz="2000" dirty="0"/>
-          </a:p>
-          <a:p>
-            <a:pPr marL="0" indent="0">
-              <a:buNone/>
-            </a:pPr>
-            <a:endParaRPr lang="en-US" sz="2000" dirty="0"/>
+              <a:rPr lang="en-US" dirty="0"/>
+              <a:t> is a fast tool for processing sequences in the FASTA/Q format.</a:t>
+            </a:r>
           </a:p>
         </p:txBody>
       </p:sp>
     </p:spTree>
     <p:extLst>
       <p:ext uri="{BB962C8B-B14F-4D97-AF65-F5344CB8AC3E}">
-        <p14:creationId xmlns:p14="http://schemas.microsoft.com/office/powerpoint/2010/main" val="3272236814"/>
+        <p14:creationId xmlns:p14="http://schemas.microsoft.com/office/powerpoint/2010/main" val="1227912064"/>
       </p:ext>
     </p:extLst>
   </p:cSld>
@@ -3938,7 +3953,7 @@
             </a:r>
             <a:r>
               <a:rPr lang="en-US" dirty="0"/>
-              <a:t> - II</a:t>
+              <a:t> - I</a:t>
             </a:r>
           </a:p>
         </p:txBody>
@@ -3955,8 +3970,8 @@
         </p:nvSpPr>
         <p:spPr>
           <a:xfrm>
-            <a:off x="180418" y="1381538"/>
-            <a:ext cx="8686800" cy="3270457"/>
+            <a:off x="457199" y="1229809"/>
+            <a:ext cx="8447747" cy="4227055"/>
           </a:xfrm>
         </p:spPr>
         <p:txBody>
@@ -3970,126 +3985,33 @@
             </a:pPr>
             <a:r>
               <a:rPr lang="en-US" sz="2000" dirty="0"/>
-              <a:t># create a file to include the following text:</a:t>
-            </a:r>
-          </a:p>
-          <a:p>
-            <a:pPr marL="0" indent="0">
-              <a:buNone/>
-            </a:pPr>
-            <a:r>
-              <a:rPr lang="en-US" sz="2000" dirty="0"/>
-              <a:t>HWI-ST897:104:C015GACXX:6:1108:10503:138138/1</a:t>
-            </a:r>
-          </a:p>
-          <a:p>
-            <a:pPr marL="0" indent="0">
-              <a:buNone/>
-            </a:pPr>
-            <a:r>
-              <a:rPr lang="en-US" sz="2000" dirty="0"/>
-              <a:t>HWI-ST897:104:C015GACXX:6:1203:8710:91463/1</a:t>
-            </a:r>
-          </a:p>
-          <a:p>
-            <a:pPr marL="0" indent="0">
-              <a:buNone/>
-            </a:pPr>
-            <a:endParaRPr lang="en-US" sz="2000" dirty="0"/>
-          </a:p>
-          <a:p>
-            <a:pPr marL="0" indent="0">
-              <a:buNone/>
-            </a:pPr>
+              <a:t># randomly sample 10 reads:</a:t>
+            </a:r>
+          </a:p>
+          <a:p>
+            <a:pPr marL="0" indent="0">
+              <a:buNone/>
+            </a:pPr>
+            <a:r>
+              <a:rPr lang="en-US" sz="2000" dirty="0" err="1">
+                <a:latin typeface="Courier"/>
+                <a:cs typeface="Courier"/>
+              </a:rPr>
+              <a:t>seqtk</a:t>
+            </a:r>
             <a:r>
               <a:rPr lang="en-US" sz="2000" dirty="0">
                 <a:latin typeface="Courier"/>
                 <a:cs typeface="Courier"/>
               </a:rPr>
-              <a:t>vi </a:t>
+              <a:t> sample DH10B.pair1.fq 10 &gt; </a:t>
             </a:r>
             <a:r>
               <a:rPr lang="en-US" sz="2000" dirty="0" err="1">
                 <a:latin typeface="Courier"/>
                 <a:cs typeface="Courier"/>
               </a:rPr>
-              <a:t>namelist.txt</a:t>
-            </a:r>
-            <a:r>
-              <a:rPr lang="en-US" sz="2000" dirty="0">
-                <a:latin typeface="Courier"/>
-                <a:cs typeface="Courier"/>
-              </a:rPr>
-              <a:t> </a:t>
-            </a:r>
-          </a:p>
-          <a:p>
-            <a:pPr marL="0" indent="0">
-              <a:buNone/>
-            </a:pPr>
-            <a:endParaRPr lang="en-US" sz="2000" dirty="0"/>
-          </a:p>
-          <a:p>
-            <a:pPr marL="0" indent="0">
-              <a:buNone/>
-            </a:pPr>
-            <a:r>
-              <a:rPr lang="en-US" sz="2000" dirty="0"/>
-              <a:t># extracted sequences based on the sequence list:</a:t>
-            </a:r>
-          </a:p>
-          <a:p>
-            <a:pPr marL="0" indent="0">
-              <a:buNone/>
-            </a:pPr>
-            <a:r>
-              <a:rPr lang="en-US" sz="2000" dirty="0" err="1">
-                <a:latin typeface="Courier"/>
-                <a:cs typeface="Courier"/>
-              </a:rPr>
-              <a:t>seqtk</a:t>
-            </a:r>
-            <a:r>
-              <a:rPr lang="en-US" sz="2000" dirty="0">
-                <a:latin typeface="Courier"/>
-                <a:cs typeface="Courier"/>
-              </a:rPr>
-              <a:t> </a:t>
-            </a:r>
-            <a:r>
-              <a:rPr lang="en-US" sz="2000" dirty="0" err="1">
-                <a:latin typeface="Courier"/>
-                <a:cs typeface="Courier"/>
-              </a:rPr>
-              <a:t>subseq</a:t>
-            </a:r>
-            <a:r>
-              <a:rPr lang="en-US" sz="2000" dirty="0">
-                <a:latin typeface="Courier"/>
-                <a:cs typeface="Courier"/>
-              </a:rPr>
-              <a:t> DH10B.pair1.fq </a:t>
-            </a:r>
-            <a:r>
-              <a:rPr lang="en-US" sz="2000" dirty="0" err="1">
-                <a:latin typeface="Courier"/>
-                <a:cs typeface="Courier"/>
-              </a:rPr>
-              <a:t>namelist.txt</a:t>
-            </a:r>
-            <a:r>
-              <a:rPr lang="en-US" sz="2000" dirty="0">
-                <a:latin typeface="Courier"/>
-                <a:cs typeface="Courier"/>
-              </a:rPr>
-              <a:t> &gt; </a:t>
-            </a:r>
-            <a:r>
-              <a:rPr lang="en-US" sz="2000" dirty="0" err="1">
-                <a:latin typeface="Courier"/>
-                <a:cs typeface="Courier"/>
-              </a:rPr>
-              <a:t>extracted.fq</a:t>
+              <a:t>example.fq</a:t>
             </a:r>
             <a:endParaRPr lang="en-US" sz="2000" dirty="0">
               <a:latin typeface="Courier"/>
@@ -4097,6 +4019,214 @@
             </a:endParaRPr>
           </a:p>
           <a:p>
+            <a:endParaRPr lang="en-US" sz="2000" dirty="0"/>
+          </a:p>
+          <a:p>
+            <a:pPr marL="0" indent="0">
+              <a:buNone/>
+            </a:pPr>
+            <a:r>
+              <a:rPr lang="en-US" sz="2000" dirty="0"/>
+              <a:t># convert FASTQ to FASTA</a:t>
+            </a:r>
+          </a:p>
+          <a:p>
+            <a:pPr marL="0" indent="0">
+              <a:buNone/>
+            </a:pPr>
+            <a:r>
+              <a:rPr lang="en-US" sz="2000" dirty="0" err="1">
+                <a:latin typeface="Courier"/>
+                <a:cs typeface="Courier"/>
+              </a:rPr>
+              <a:t>seqtk</a:t>
+            </a:r>
+            <a:r>
+              <a:rPr lang="en-US" sz="2000" dirty="0">
+                <a:latin typeface="Courier"/>
+                <a:cs typeface="Courier"/>
+              </a:rPr>
+              <a:t> </a:t>
+            </a:r>
+            <a:r>
+              <a:rPr lang="en-US" sz="2000" dirty="0" err="1">
+                <a:latin typeface="Courier"/>
+                <a:cs typeface="Courier"/>
+              </a:rPr>
+              <a:t>seq</a:t>
+            </a:r>
+            <a:r>
+              <a:rPr lang="en-US" sz="2000" dirty="0">
+                <a:latin typeface="Courier"/>
+                <a:cs typeface="Courier"/>
+              </a:rPr>
+              <a:t> </a:t>
+            </a:r>
+            <a:r>
+              <a:rPr lang="en-US" sz="2000" dirty="0" err="1">
+                <a:latin typeface="Courier"/>
+                <a:cs typeface="Courier"/>
+              </a:rPr>
+              <a:t>example.fq</a:t>
+            </a:r>
+            <a:r>
+              <a:rPr lang="en-US" sz="2000" dirty="0">
+                <a:latin typeface="Courier"/>
+                <a:cs typeface="Courier"/>
+              </a:rPr>
+              <a:t> -A &gt; </a:t>
+            </a:r>
+            <a:r>
+              <a:rPr lang="en-US" sz="2000" dirty="0" err="1">
+                <a:latin typeface="Courier"/>
+                <a:cs typeface="Courier"/>
+              </a:rPr>
+              <a:t>example.fa</a:t>
+            </a:r>
+            <a:endParaRPr lang="en-US" sz="2000" dirty="0">
+              <a:latin typeface="Courier"/>
+              <a:cs typeface="Courier"/>
+            </a:endParaRPr>
+          </a:p>
+          <a:p>
+            <a:endParaRPr lang="en-US" sz="2000" dirty="0"/>
+          </a:p>
+          <a:p>
+            <a:pPr marL="0" indent="0">
+              <a:buNone/>
+            </a:pPr>
+            <a:r>
+              <a:rPr lang="en-US" sz="2000" dirty="0"/>
+              <a:t># format FASTA file</a:t>
+            </a:r>
+          </a:p>
+          <a:p>
+            <a:pPr marL="0" indent="0">
+              <a:buNone/>
+            </a:pPr>
+            <a:r>
+              <a:rPr lang="en-US" sz="2000" dirty="0" err="1">
+                <a:latin typeface="Courier"/>
+                <a:cs typeface="Courier"/>
+              </a:rPr>
+              <a:t>seqtk</a:t>
+            </a:r>
+            <a:r>
+              <a:rPr lang="en-US" sz="2000" dirty="0">
+                <a:latin typeface="Courier"/>
+                <a:cs typeface="Courier"/>
+              </a:rPr>
+              <a:t> </a:t>
+            </a:r>
+            <a:r>
+              <a:rPr lang="en-US" sz="2000" dirty="0" err="1">
+                <a:latin typeface="Courier"/>
+                <a:cs typeface="Courier"/>
+              </a:rPr>
+              <a:t>seq</a:t>
+            </a:r>
+            <a:r>
+              <a:rPr lang="en-US" sz="2000" dirty="0">
+                <a:latin typeface="Courier"/>
+                <a:cs typeface="Courier"/>
+              </a:rPr>
+              <a:t> </a:t>
+            </a:r>
+            <a:r>
+              <a:rPr lang="en-US" sz="2000" dirty="0" err="1">
+                <a:latin typeface="Courier"/>
+                <a:cs typeface="Courier"/>
+              </a:rPr>
+              <a:t>example.fa</a:t>
+            </a:r>
+            <a:r>
+              <a:rPr lang="en-US" sz="2000" dirty="0">
+                <a:latin typeface="Courier"/>
+                <a:cs typeface="Courier"/>
+              </a:rPr>
+              <a:t> -l 60 &gt; example.60perline.fa</a:t>
+            </a:r>
+          </a:p>
+          <a:p>
+            <a:pPr marL="0" indent="0">
+              <a:buNone/>
+            </a:pPr>
+            <a:endParaRPr lang="en-US" sz="2000" dirty="0"/>
+          </a:p>
+          <a:p>
+            <a:pPr marL="0" indent="0">
+              <a:buNone/>
+            </a:pPr>
+            <a:r>
+              <a:rPr lang="en-US" sz="2000" dirty="0"/>
+              <a:t># reverse complement each sequence</a:t>
+            </a:r>
+          </a:p>
+          <a:p>
+            <a:pPr marL="0" indent="0">
+              <a:buNone/>
+            </a:pPr>
+            <a:r>
+              <a:rPr lang="en-US" sz="2000" dirty="0" err="1">
+                <a:latin typeface="Courier"/>
+                <a:cs typeface="Courier"/>
+              </a:rPr>
+              <a:t>seqtk</a:t>
+            </a:r>
+            <a:r>
+              <a:rPr lang="en-US" sz="2000" dirty="0">
+                <a:latin typeface="Courier"/>
+                <a:cs typeface="Courier"/>
+              </a:rPr>
+              <a:t> </a:t>
+            </a:r>
+            <a:r>
+              <a:rPr lang="en-US" sz="2000" dirty="0" err="1">
+                <a:latin typeface="Courier"/>
+                <a:cs typeface="Courier"/>
+              </a:rPr>
+              <a:t>seq</a:t>
+            </a:r>
+            <a:r>
+              <a:rPr lang="en-US" sz="2000" dirty="0">
+                <a:latin typeface="Courier"/>
+                <a:cs typeface="Courier"/>
+              </a:rPr>
+              <a:t> -r </a:t>
+            </a:r>
+            <a:r>
+              <a:rPr lang="en-US" sz="2000" dirty="0" err="1">
+                <a:latin typeface="Courier"/>
+                <a:cs typeface="Courier"/>
+              </a:rPr>
+              <a:t>example.fq</a:t>
+            </a:r>
+            <a:r>
+              <a:rPr lang="en-US" sz="2000" dirty="0">
+                <a:latin typeface="Courier"/>
+                <a:cs typeface="Courier"/>
+              </a:rPr>
+              <a:t> &gt; </a:t>
+            </a:r>
+            <a:r>
+              <a:rPr lang="en-US" sz="2000" dirty="0" err="1">
+                <a:latin typeface="Courier"/>
+                <a:cs typeface="Courier"/>
+              </a:rPr>
+              <a:t>example.revcom.fq</a:t>
+            </a:r>
+            <a:endParaRPr lang="en-US" sz="2000" dirty="0">
+              <a:latin typeface="Courier"/>
+              <a:cs typeface="Courier"/>
+            </a:endParaRPr>
+          </a:p>
+          <a:p>
+            <a:endParaRPr lang="en-US" sz="2000" dirty="0"/>
+          </a:p>
+          <a:p>
+            <a:endParaRPr lang="en-US" sz="2000" dirty="0"/>
+          </a:p>
+          <a:p>
             <a:pPr marL="0" indent="0">
               <a:buNone/>
             </a:pPr>
@@ -4107,7 +4237,7 @@
     </p:spTree>
     <p:extLst>
       <p:ext uri="{BB962C8B-B14F-4D97-AF65-F5344CB8AC3E}">
-        <p14:creationId xmlns:p14="http://schemas.microsoft.com/office/powerpoint/2010/main" val="269397625"/>
+        <p14:creationId xmlns:p14="http://schemas.microsoft.com/office/powerpoint/2010/main" val="3272236814"/>
       </p:ext>
     </p:extLst>
   </p:cSld>
@@ -4155,7 +4285,7 @@
             </a:r>
             <a:r>
               <a:rPr lang="en-US" dirty="0"/>
-              <a:t> - III</a:t>
+              <a:t> - II</a:t>
             </a:r>
           </a:p>
         </p:txBody>
@@ -4172,31 +4302,98 @@
         </p:nvSpPr>
         <p:spPr>
           <a:xfrm>
-            <a:off x="382048" y="1298704"/>
-            <a:ext cx="8575953" cy="4885801"/>
+            <a:off x="180418" y="1381538"/>
+            <a:ext cx="8686800" cy="3270457"/>
           </a:xfrm>
         </p:spPr>
         <p:txBody>
-          <a:bodyPr/>
-          <a:lstStyle/>
-          <a:p>
-            <a:pPr marL="0" indent="0">
-              <a:buNone/>
-            </a:pPr>
-            <a:r>
-              <a:rPr lang="en-US" dirty="0"/>
-              <a:t># merge paired-end reads in a file:</a:t>
-            </a:r>
-          </a:p>
-          <a:p>
-            <a:pPr marL="0" indent="0">
-              <a:buNone/>
-            </a:pPr>
+          <a:bodyPr>
+            <a:normAutofit/>
+          </a:bodyPr>
+          <a:lstStyle/>
+          <a:p>
+            <a:pPr marL="0" indent="0">
+              <a:buNone/>
+            </a:pPr>
+            <a:r>
+              <a:rPr lang="en-US" sz="2000" dirty="0"/>
+              <a:t># create a file to include the following text:</a:t>
+            </a:r>
+          </a:p>
+          <a:p>
+            <a:pPr marL="0" indent="0">
+              <a:buNone/>
+            </a:pPr>
+            <a:r>
+              <a:rPr lang="en-US" sz="2000" dirty="0"/>
+              <a:t>HWI-ST897:104:C015GACXX:6:1108:10503:138138/1</a:t>
+            </a:r>
+          </a:p>
+          <a:p>
+            <a:pPr marL="0" indent="0">
+              <a:buNone/>
+            </a:pPr>
+            <a:r>
+              <a:rPr lang="en-US" sz="2000" dirty="0"/>
+              <a:t>HWI-ST897:104:C015GACXX:6:1203:8710:91463/1</a:t>
+            </a:r>
+          </a:p>
+          <a:p>
+            <a:pPr marL="0" indent="0">
+              <a:buNone/>
+            </a:pPr>
+            <a:endParaRPr lang="en-US" sz="2000" dirty="0"/>
+          </a:p>
+          <a:p>
+            <a:pPr marL="0" indent="0">
+              <a:buNone/>
+            </a:pPr>
+            <a:r>
+              <a:rPr lang="en-US" sz="2000" dirty="0">
+                <a:latin typeface="Courier"/>
+                <a:cs typeface="Courier"/>
+              </a:rPr>
+              <a:t>vi </a:t>
+            </a:r>
             <a:r>
               <a:rPr lang="en-US" sz="2000" dirty="0" err="1">
                 <a:latin typeface="Courier"/>
                 <a:cs typeface="Courier"/>
               </a:rPr>
+              <a:t>namelist.txt</a:t>
+            </a:r>
+            <a:r>
+              <a:rPr lang="en-US" sz="2000" dirty="0">
+                <a:latin typeface="Courier"/>
+                <a:cs typeface="Courier"/>
+              </a:rPr>
+              <a:t> </a:t>
+            </a:r>
+          </a:p>
+          <a:p>
+            <a:pPr marL="0" indent="0">
+              <a:buNone/>
+            </a:pPr>
+            <a:endParaRPr lang="en-US" sz="2000" dirty="0"/>
+          </a:p>
+          <a:p>
+            <a:pPr marL="0" indent="0">
+              <a:buNone/>
+            </a:pPr>
+            <a:r>
+              <a:rPr lang="en-US" sz="2000" dirty="0"/>
+              <a:t># extracted sequences based on the sequence list:</a:t>
+            </a:r>
+          </a:p>
+          <a:p>
+            <a:pPr marL="0" indent="0">
+              <a:buNone/>
+            </a:pPr>
+            <a:r>
+              <a:rPr lang="en-US" sz="2000" dirty="0" err="1">
+                <a:latin typeface="Courier"/>
+                <a:cs typeface="Courier"/>
+              </a:rPr>
               <a:t>seqtk</a:t>
             </a:r>
             <a:r>
@@ -4211,20 +4408,36 @@
                 <a:latin typeface="Courier"/>
                 <a:cs typeface="Courier"/>
               </a:rPr>
-              <a:t>mergepe</a:t>
+              <a:t>subseq</a:t>
             </a:r>
             <a:r>
               <a:rPr lang="en-US" sz="2000" dirty="0">
                 <a:latin typeface="Courier"/>
                 <a:cs typeface="Courier"/>
               </a:rPr>
-              <a:t> DH10B.pair1.fq DH10B.pair2.fq &gt; DH10B.interleaved.fq</a:t>
-            </a:r>
-          </a:p>
-          <a:p>
-            <a:pPr marL="0" indent="0">
-              <a:buNone/>
-            </a:pPr>
+              <a:t> DH10B.pair1.fq </a:t>
+            </a:r>
+            <a:r>
+              <a:rPr lang="en-US" sz="2000" dirty="0" err="1">
+                <a:latin typeface="Courier"/>
+                <a:cs typeface="Courier"/>
+              </a:rPr>
+              <a:t>namelist.txt</a:t>
+            </a:r>
+            <a:r>
+              <a:rPr lang="en-US" sz="2000" dirty="0">
+                <a:latin typeface="Courier"/>
+                <a:cs typeface="Courier"/>
+              </a:rPr>
+              <a:t> &gt; </a:t>
+            </a:r>
+            <a:r>
+              <a:rPr lang="en-US" sz="2000" dirty="0" err="1">
+                <a:latin typeface="Courier"/>
+                <a:cs typeface="Courier"/>
+              </a:rPr>
+              <a:t>extracted.fq</a:t>
+            </a:r>
             <a:endParaRPr lang="en-US" sz="2000" dirty="0">
               <a:latin typeface="Courier"/>
               <a:cs typeface="Courier"/>
@@ -4234,103 +4447,14 @@
             <a:pPr marL="0" indent="0">
               <a:buNone/>
             </a:pPr>
-            <a:r>
-              <a:rPr lang="en-US" dirty="0"/>
-              <a:t># sample paired sequences:</a:t>
-            </a:r>
-          </a:p>
-          <a:p>
-            <a:pPr marL="0" indent="0">
-              <a:buNone/>
-            </a:pPr>
-            <a:r>
-              <a:rPr lang="en-US" sz="2000" dirty="0" err="1">
-                <a:latin typeface="Courier"/>
-                <a:cs typeface="Courier"/>
-              </a:rPr>
-              <a:t>seqtk</a:t>
-            </a:r>
-            <a:r>
-              <a:rPr lang="en-US" sz="2000" dirty="0">
-                <a:latin typeface="Courier"/>
-                <a:cs typeface="Courier"/>
-              </a:rPr>
-              <a:t> sample -s100 DH10B.pair1.fq 2 &gt; example.pair1.fq</a:t>
-            </a:r>
-          </a:p>
-          <a:p>
-            <a:pPr marL="0" indent="0">
-              <a:buNone/>
-            </a:pPr>
-            <a:endParaRPr lang="en-US" sz="2000" dirty="0">
-              <a:latin typeface="Courier"/>
-              <a:cs typeface="Courier"/>
-            </a:endParaRPr>
-          </a:p>
-          <a:p>
-            <a:pPr marL="0" indent="0">
-              <a:buNone/>
-            </a:pPr>
-            <a:r>
-              <a:rPr lang="en-US" sz="2000" dirty="0" err="1">
-                <a:latin typeface="Courier"/>
-                <a:cs typeface="Courier"/>
-              </a:rPr>
-              <a:t>seqtk</a:t>
-            </a:r>
-            <a:r>
-              <a:rPr lang="en-US" sz="2000" dirty="0">
-                <a:latin typeface="Courier"/>
-                <a:cs typeface="Courier"/>
-              </a:rPr>
-              <a:t> sample -s100 DH10B.pair2.fq 2 &gt; example.pair2.fq</a:t>
-            </a:r>
-          </a:p>
-          <a:p>
-            <a:pPr marL="0" indent="0">
-              <a:buNone/>
-            </a:pPr>
-            <a:endParaRPr lang="en-US" sz="2000" dirty="0">
-              <a:latin typeface="Courier"/>
-              <a:cs typeface="Courier"/>
-            </a:endParaRPr>
-          </a:p>
-          <a:p>
-            <a:pPr marL="0" indent="0">
-              <a:buNone/>
-            </a:pPr>
-            <a:r>
-              <a:rPr lang="en-US" sz="2000" dirty="0" err="1">
-                <a:latin typeface="Courier"/>
-                <a:cs typeface="Courier"/>
-              </a:rPr>
-              <a:t>seqtk</a:t>
-            </a:r>
-            <a:r>
-              <a:rPr lang="en-US" sz="2000" dirty="0">
-                <a:latin typeface="Courier"/>
-                <a:cs typeface="Courier"/>
-              </a:rPr>
-              <a:t> sample -s200 DH10B.pair2.fq 2 &gt; </a:t>
-            </a:r>
-            <a:r>
-              <a:rPr lang="en-US" sz="2000" dirty="0" err="1">
-                <a:latin typeface="Courier"/>
-                <a:cs typeface="Courier"/>
-              </a:rPr>
-              <a:t>example.pair_test.fq</a:t>
-            </a:r>
-            <a:endParaRPr lang="en-US" sz="2000" dirty="0">
-              <a:latin typeface="Courier"/>
-              <a:cs typeface="Courier"/>
-            </a:endParaRPr>
+            <a:endParaRPr lang="en-US" sz="2000" dirty="0"/>
           </a:p>
         </p:txBody>
       </p:sp>
     </p:spTree>
     <p:extLst>
       <p:ext uri="{BB962C8B-B14F-4D97-AF65-F5344CB8AC3E}">
-        <p14:creationId xmlns:p14="http://schemas.microsoft.com/office/powerpoint/2010/main" val="1133708501"/>
+        <p14:creationId xmlns:p14="http://schemas.microsoft.com/office/powerpoint/2010/main" val="269397625"/>
       </p:ext>
     </p:extLst>
   </p:cSld>
@@ -4378,7 +4502,7 @@
             </a:r>
             <a:r>
               <a:rPr lang="en-US" dirty="0"/>
-              <a:t> IV</a:t>
+              <a:t> - III</a:t>
             </a:r>
           </a:p>
         </p:txBody>
@@ -4395,8 +4519,8 @@
         </p:nvSpPr>
         <p:spPr>
           <a:xfrm>
-            <a:off x="210423" y="1384876"/>
-            <a:ext cx="8860305" cy="4741288"/>
+            <a:off x="382048" y="1298704"/>
+            <a:ext cx="8575953" cy="4885801"/>
           </a:xfrm>
         </p:spPr>
         <p:txBody>
@@ -4408,7 +4532,7 @@
             </a:pPr>
             <a:r>
               <a:rPr lang="en-US" dirty="0"/>
-              <a:t># quality trimming</a:t>
+              <a:t># merge paired-end reads in a file:</a:t>
             </a:r>
           </a:p>
           <a:p>
@@ -4434,82 +4558,21 @@
                 <a:latin typeface="Courier"/>
                 <a:cs typeface="Courier"/>
               </a:rPr>
-              <a:t>trimfq</a:t>
+              <a:t>mergepe</a:t>
             </a:r>
             <a:r>
               <a:rPr lang="en-US" sz="2000" dirty="0">
                 <a:latin typeface="Courier"/>
                 <a:cs typeface="Courier"/>
               </a:rPr>
-              <a:t> </a:t>
-            </a:r>
-            <a:r>
-              <a:rPr lang="en-US" sz="2000" dirty="0" err="1">
-                <a:latin typeface="Courier"/>
-                <a:cs typeface="Courier"/>
-              </a:rPr>
-              <a:t>example.fq</a:t>
-            </a:r>
-            <a:r>
-              <a:rPr lang="en-US" sz="2000" dirty="0">
-                <a:latin typeface="Courier"/>
-                <a:cs typeface="Courier"/>
-              </a:rPr>
-              <a:t> -q 0.05 &gt; qual.trim.05.fq</a:t>
-            </a:r>
-          </a:p>
-          <a:p>
-            <a:pPr marL="0" indent="0">
-              <a:buNone/>
-            </a:pPr>
-            <a:r>
-              <a:rPr lang="en-US" sz="2000" dirty="0" err="1">
-                <a:latin typeface="Courier"/>
-                <a:cs typeface="Courier"/>
-              </a:rPr>
-              <a:t>seqtk</a:t>
-            </a:r>
-            <a:r>
-              <a:rPr lang="en-US" sz="2000" dirty="0">
-                <a:latin typeface="Courier"/>
-                <a:cs typeface="Courier"/>
-              </a:rPr>
-              <a:t> </a:t>
-            </a:r>
-            <a:r>
-              <a:rPr lang="en-US" sz="2000" dirty="0" err="1">
-                <a:latin typeface="Courier"/>
-                <a:cs typeface="Courier"/>
-              </a:rPr>
-              <a:t>trimfq</a:t>
-            </a:r>
-            <a:r>
-              <a:rPr lang="en-US" sz="2000" dirty="0">
-                <a:latin typeface="Courier"/>
-                <a:cs typeface="Courier"/>
-              </a:rPr>
-              <a:t> </a:t>
-            </a:r>
-            <a:r>
-              <a:rPr lang="en-US" sz="2000" dirty="0" err="1">
-                <a:latin typeface="Courier"/>
-                <a:cs typeface="Courier"/>
-              </a:rPr>
-              <a:t>example.fq</a:t>
-            </a:r>
-            <a:r>
-              <a:rPr lang="en-US" sz="2000" dirty="0">
-                <a:latin typeface="Courier"/>
-                <a:cs typeface="Courier"/>
-              </a:rPr>
-              <a:t> -q 0.01 &gt; qual.trim.01.fq</a:t>
-            </a:r>
-          </a:p>
-          <a:p>
-            <a:pPr marL="0" indent="0">
-              <a:buNone/>
-            </a:pPr>
-            <a:endParaRPr lang="en-US" dirty="0">
+              <a:t> DH10B.pair1.fq DH10B.pair2.fq &gt; DH10B.interleaved.fq</a:t>
+            </a:r>
+          </a:p>
+          <a:p>
+            <a:pPr marL="0" indent="0">
+              <a:buNone/>
+            </a:pPr>
+            <a:endParaRPr lang="en-US" sz="2000" dirty="0">
               <a:latin typeface="Courier"/>
               <a:cs typeface="Courier"/>
             </a:endParaRPr>
@@ -4520,7 +4583,7 @@
             </a:pPr>
             <a:r>
               <a:rPr lang="en-US" dirty="0"/>
-              <a:t>### hard trimming</a:t>
+              <a:t># sample paired sequences:</a:t>
             </a:r>
           </a:p>
           <a:p>
@@ -4539,137 +4602,82 @@
                 <a:latin typeface="Courier"/>
                 <a:cs typeface="Courier"/>
               </a:rPr>
-              <a:t> </a:t>
-            </a:r>
+              <a:t> sample -s100 DH10B.pair1.fq 2 &gt; example.pair1.fq</a:t>
+            </a:r>
+          </a:p>
+          <a:p>
+            <a:pPr marL="0" indent="0">
+              <a:buNone/>
+            </a:pPr>
+            <a:endParaRPr lang="en-US" sz="2000" dirty="0">
+              <a:latin typeface="Courier"/>
+              <a:cs typeface="Courier"/>
+            </a:endParaRPr>
+          </a:p>
+          <a:p>
+            <a:pPr marL="0" indent="0">
+              <a:buNone/>
+            </a:pPr>
             <a:r>
               <a:rPr lang="en-US" sz="2000" dirty="0" err="1">
                 <a:latin typeface="Courier"/>
                 <a:cs typeface="Courier"/>
               </a:rPr>
-              <a:t>trimfq</a:t>
+              <a:t>seqtk</a:t>
             </a:r>
             <a:r>
               <a:rPr lang="en-US" sz="2000" dirty="0">
                 <a:latin typeface="Courier"/>
                 <a:cs typeface="Courier"/>
               </a:rPr>
-              <a:t> -b 5 </a:t>
-            </a:r>
+              <a:t> sample -s100 DH10B.pair2.fq 2 &gt; example.pair2.fq</a:t>
+            </a:r>
+          </a:p>
+          <a:p>
+            <a:pPr marL="0" indent="0">
+              <a:buNone/>
+            </a:pPr>
+            <a:endParaRPr lang="en-US" sz="2000" dirty="0">
+              <a:latin typeface="Courier"/>
+              <a:cs typeface="Courier"/>
+            </a:endParaRPr>
+          </a:p>
+          <a:p>
+            <a:pPr marL="0" indent="0">
+              <a:buNone/>
+            </a:pPr>
             <a:r>
               <a:rPr lang="en-US" sz="2000" dirty="0" err="1">
                 <a:latin typeface="Courier"/>
                 <a:cs typeface="Courier"/>
               </a:rPr>
-              <a:t>example.fq</a:t>
+              <a:t>seqtk</a:t>
             </a:r>
             <a:r>
               <a:rPr lang="en-US" sz="2000" dirty="0">
                 <a:latin typeface="Courier"/>
                 <a:cs typeface="Courier"/>
               </a:rPr>
-              <a:t> &gt; trim5b.fq</a:t>
-            </a:r>
-          </a:p>
-          <a:p>
-            <a:pPr marL="0" indent="0">
-              <a:buNone/>
-            </a:pPr>
+              <a:t> sample -s200 DH10B.pair2.fq 2 &gt; </a:t>
+            </a:r>
             <a:r>
               <a:rPr lang="en-US" sz="2000" dirty="0" err="1">
                 <a:latin typeface="Courier"/>
                 <a:cs typeface="Courier"/>
               </a:rPr>
-              <a:t>seqtk</a:t>
-            </a:r>
-            <a:r>
-              <a:rPr lang="en-US" sz="2000" dirty="0">
-                <a:latin typeface="Courier"/>
-                <a:cs typeface="Courier"/>
-              </a:rPr>
-              <a:t> </a:t>
-            </a:r>
-            <a:r>
-              <a:rPr lang="en-US" sz="2000" dirty="0" err="1">
-                <a:latin typeface="Courier"/>
-                <a:cs typeface="Courier"/>
-              </a:rPr>
-              <a:t>trimfq</a:t>
-            </a:r>
-            <a:r>
-              <a:rPr lang="en-US" sz="2000" dirty="0">
-                <a:latin typeface="Courier"/>
-                <a:cs typeface="Courier"/>
-              </a:rPr>
-              <a:t> -e 5 </a:t>
-            </a:r>
-            <a:r>
-              <a:rPr lang="en-US" sz="2000" dirty="0" err="1">
-                <a:latin typeface="Courier"/>
-                <a:cs typeface="Courier"/>
-              </a:rPr>
-              <a:t>example.fq</a:t>
-            </a:r>
-            <a:r>
-              <a:rPr lang="en-US" sz="2000" dirty="0">
-                <a:latin typeface="Courier"/>
-                <a:cs typeface="Courier"/>
-              </a:rPr>
-              <a:t> &gt; trim5e.fq</a:t>
-            </a:r>
-          </a:p>
-          <a:p>
-            <a:pPr marL="0" indent="0">
-              <a:buNone/>
-            </a:pPr>
-            <a:r>
-              <a:rPr lang="en-US" sz="2000" dirty="0" err="1">
-                <a:latin typeface="Courier"/>
-                <a:cs typeface="Courier"/>
-              </a:rPr>
-              <a:t>seqtk</a:t>
-            </a:r>
-            <a:r>
-              <a:rPr lang="en-US" sz="2000" dirty="0">
-                <a:latin typeface="Courier"/>
-                <a:cs typeface="Courier"/>
-              </a:rPr>
-              <a:t> </a:t>
-            </a:r>
-            <a:r>
-              <a:rPr lang="en-US" sz="2000" dirty="0" err="1">
-                <a:latin typeface="Courier"/>
-                <a:cs typeface="Courier"/>
-              </a:rPr>
-              <a:t>trimfq</a:t>
-            </a:r>
-            <a:r>
-              <a:rPr lang="en-US" sz="2000" dirty="0">
-                <a:latin typeface="Courier"/>
-                <a:cs typeface="Courier"/>
-              </a:rPr>
-              <a:t> -b 5 -e 5 </a:t>
-            </a:r>
-            <a:r>
-              <a:rPr lang="en-US" sz="2000" dirty="0" err="1">
-                <a:latin typeface="Courier"/>
-                <a:cs typeface="Courier"/>
-              </a:rPr>
-              <a:t>example.fq</a:t>
-            </a:r>
-            <a:r>
-              <a:rPr lang="en-US" sz="2000" dirty="0">
-                <a:latin typeface="Courier"/>
-                <a:cs typeface="Courier"/>
-              </a:rPr>
-              <a:t> &gt; trim5b5e.fq</a:t>
-            </a:r>
+              <a:t>example.pair_test.fq</a:t>
+            </a:r>
+            <a:endParaRPr lang="en-US" sz="2000" dirty="0">
+              <a:latin typeface="Courier"/>
+              <a:cs typeface="Courier"/>
+            </a:endParaRPr>
           </a:p>
         </p:txBody>
       </p:sp>
     </p:spTree>
     <p:extLst>
       <p:ext uri="{BB962C8B-B14F-4D97-AF65-F5344CB8AC3E}">
-        <p14:creationId xmlns:p14="http://schemas.microsoft.com/office/powerpoint/2010/main" val="1831469251"/>
+        <p14:creationId xmlns:p14="http://schemas.microsoft.com/office/powerpoint/2010/main" val="1133708501"/>
       </p:ext>
     </p:extLst>
   </p:cSld>
@@ -4713,11 +4721,11 @@
           <a:p>
             <a:r>
               <a:rPr lang="en-US" dirty="0" err="1"/>
-              <a:t>Trimmomatic</a:t>
+              <a:t>seqtk</a:t>
             </a:r>
             <a:r>
               <a:rPr lang="en-US" dirty="0"/>
-              <a:t> case I</a:t>
+              <a:t> IV</a:t>
             </a:r>
           </a:p>
         </p:txBody>
@@ -4734,68 +4742,121 @@
         </p:nvSpPr>
         <p:spPr>
           <a:xfrm>
-            <a:off x="402578" y="1444562"/>
-            <a:ext cx="8229600" cy="964000"/>
+            <a:off x="210423" y="1384876"/>
+            <a:ext cx="8860305" cy="4741288"/>
           </a:xfrm>
         </p:spPr>
         <p:txBody>
-          <a:bodyPr>
-            <a:noAutofit/>
-          </a:bodyPr>
-          <a:lstStyle/>
-          <a:p>
-            <a:pPr marL="0" indent="0">
-              <a:buNone/>
-            </a:pPr>
-            <a:r>
-              <a:rPr lang="en-US" sz="1600" dirty="0" err="1">
-                <a:latin typeface="Courier"/>
-                <a:cs typeface="Courier"/>
-              </a:rPr>
-              <a:t>cp</a:t>
-            </a:r>
-            <a:r>
-              <a:rPr lang="en-US" sz="1600" dirty="0">
+          <a:bodyPr/>
+          <a:lstStyle/>
+          <a:p>
+            <a:pPr marL="0" indent="0">
+              <a:buNone/>
+            </a:pPr>
+            <a:r>
+              <a:rPr lang="en-US" dirty="0"/>
+              <a:t># quality trimming</a:t>
+            </a:r>
+          </a:p>
+          <a:p>
+            <a:pPr marL="0" indent="0">
+              <a:buNone/>
+            </a:pPr>
+            <a:r>
+              <a:rPr lang="en-US" sz="2000" dirty="0" err="1">
+                <a:latin typeface="Courier"/>
+                <a:cs typeface="Courier"/>
+              </a:rPr>
+              <a:t>seqtk</a:t>
+            </a:r>
+            <a:r>
+              <a:rPr lang="en-US" sz="2000" dirty="0">
                 <a:latin typeface="Courier"/>
                 <a:cs typeface="Courier"/>
               </a:rPr>
               <a:t> </a:t>
             </a:r>
             <a:r>
-              <a:rPr lang="en-US" sz="1600" dirty="0"/>
-              <a:t>/homes/liu3zhen/teaching/datasets/</a:t>
-            </a:r>
-            <a:r>
-              <a:rPr lang="en-US" sz="1600" dirty="0" err="1"/>
-              <a:t>trimmomatic</a:t>
-            </a:r>
-            <a:r>
-              <a:rPr lang="en-US" sz="1600" dirty="0">
-                <a:latin typeface="Courier"/>
-                <a:cs typeface="Courier"/>
-              </a:rPr>
-              <a:t>/p*</a:t>
-            </a:r>
-            <a:r>
-              <a:rPr lang="en-US" sz="1600" dirty="0" err="1">
-                <a:latin typeface="Courier"/>
-                <a:cs typeface="Courier"/>
-              </a:rPr>
-              <a:t>fq</a:t>
-            </a:r>
-            <a:r>
-              <a:rPr lang="en-US" sz="1600" dirty="0">
-                <a:latin typeface="Courier"/>
-                <a:cs typeface="Courier"/>
-              </a:rPr>
-              <a:t> .</a:t>
-            </a:r>
-          </a:p>
-          <a:p>
-            <a:pPr marL="0" indent="0">
-              <a:buNone/>
-            </a:pPr>
-            <a:endParaRPr lang="en-US" sz="1600" dirty="0">
+              <a:rPr lang="en-US" sz="2000" dirty="0" err="1">
+                <a:latin typeface="Courier"/>
+                <a:cs typeface="Courier"/>
+              </a:rPr>
+              <a:t>trimfq</a:t>
+            </a:r>
+            <a:r>
+              <a:rPr lang="en-US" sz="2000" dirty="0">
+                <a:latin typeface="Courier"/>
+                <a:cs typeface="Courier"/>
+              </a:rPr>
+              <a:t> </a:t>
+            </a:r>
+            <a:r>
+              <a:rPr lang="en-US" sz="2000" dirty="0" err="1">
+                <a:latin typeface="Courier"/>
+                <a:cs typeface="Courier"/>
+              </a:rPr>
+              <a:t>example.fq</a:t>
+            </a:r>
+            <a:r>
+              <a:rPr lang="en-US" sz="2000" dirty="0">
+                <a:latin typeface="Courier"/>
+                <a:cs typeface="Courier"/>
+              </a:rPr>
+              <a:t> -q 0.05 &gt; qual.trim.05.fq</a:t>
+            </a:r>
+          </a:p>
+          <a:p>
+            <a:pPr marL="0" indent="0">
+              <a:buNone/>
+            </a:pPr>
+            <a:r>
+              <a:rPr lang="en-US" sz="2000" dirty="0" err="1">
+                <a:latin typeface="Courier"/>
+                <a:cs typeface="Courier"/>
+              </a:rPr>
+              <a:t>seqtk</a:t>
+            </a:r>
+            <a:r>
+              <a:rPr lang="en-US" sz="2000" dirty="0">
+                <a:latin typeface="Courier"/>
+                <a:cs typeface="Courier"/>
+              </a:rPr>
+              <a:t> </a:t>
+            </a:r>
+            <a:r>
+              <a:rPr lang="en-US" sz="2000" dirty="0" err="1">
+                <a:latin typeface="Courier"/>
+                <a:cs typeface="Courier"/>
+              </a:rPr>
+              <a:t>trimfq</a:t>
+            </a:r>
+            <a:r>
+              <a:rPr lang="en-US" sz="2000" dirty="0">
+                <a:latin typeface="Courier"/>
+                <a:cs typeface="Courier"/>
+              </a:rPr>
+              <a:t> </a:t>
+            </a:r>
+            <a:r>
+              <a:rPr lang="en-US" sz="2000" dirty="0" err="1">
+                <a:latin typeface="Courier"/>
+                <a:cs typeface="Courier"/>
+              </a:rPr>
+              <a:t>example.fq</a:t>
+            </a:r>
+            <a:r>
+              <a:rPr lang="en-US" sz="2000" dirty="0">
+                <a:latin typeface="Courier"/>
+                <a:cs typeface="Courier"/>
+              </a:rPr>
+              <a:t> -q 0.01 &gt; qual.trim.01.fq</a:t>
+            </a:r>
+          </a:p>
+          <a:p>
+            <a:pPr marL="0" indent="0">
+              <a:buNone/>
+            </a:pPr>
+            <a:endParaRPr lang="en-US" dirty="0">
               <a:latin typeface="Courier"/>
               <a:cs typeface="Courier"/>
             </a:endParaRPr>
@@ -4805,209 +4866,149 @@
               <a:buNone/>
             </a:pPr>
             <a:r>
-              <a:rPr lang="en-US" sz="1600" dirty="0" err="1">
-                <a:latin typeface="Courier"/>
-                <a:cs typeface="Courier"/>
-              </a:rPr>
-              <a:t>cp</a:t>
-            </a:r>
-            <a:r>
-              <a:rPr lang="en-US" sz="1600" dirty="0">
+              <a:rPr lang="en-US" dirty="0"/>
+              <a:t>### hard trimming</a:t>
+            </a:r>
+          </a:p>
+          <a:p>
+            <a:pPr marL="0" indent="0">
+              <a:buNone/>
+            </a:pPr>
+            <a:r>
+              <a:rPr lang="en-US" sz="2000" dirty="0" err="1">
+                <a:latin typeface="Courier"/>
+                <a:cs typeface="Courier"/>
+              </a:rPr>
+              <a:t>seqtk</a:t>
+            </a:r>
+            <a:r>
+              <a:rPr lang="en-US" sz="2000" dirty="0">
                 <a:latin typeface="Courier"/>
                 <a:cs typeface="Courier"/>
               </a:rPr>
               <a:t> </a:t>
             </a:r>
             <a:r>
-              <a:rPr lang="en-US" sz="1600" dirty="0"/>
-              <a:t>/homes/liu3zhen/teaching/datasets/</a:t>
-            </a:r>
-            <a:r>
-              <a:rPr lang="en-US" sz="1600" dirty="0" err="1"/>
-              <a:t>trimmomatic</a:t>
-            </a:r>
-            <a:r>
-              <a:rPr lang="en-US" sz="1600" dirty="0">
-                <a:latin typeface="Courier"/>
-                <a:cs typeface="Courier"/>
-              </a:rPr>
-              <a:t>/TruSeq3-PE.fa .</a:t>
-            </a:r>
-          </a:p>
-          <a:p>
-            <a:pPr marL="0" indent="0">
-              <a:buNone/>
-            </a:pPr>
-            <a:endParaRPr lang="en-US" sz="1600" dirty="0">
-              <a:latin typeface="Courier"/>
-              <a:cs typeface="Courier"/>
-            </a:endParaRPr>
-          </a:p>
-        </p:txBody>
-      </p:sp>
-      <p:sp>
-        <p:nvSpPr>
-          <p:cNvPr id="4" name="Rectangle 3"/>
-          <p:cNvSpPr/>
-          <p:nvPr/>
-        </p:nvSpPr>
-        <p:spPr>
-          <a:xfrm>
-            <a:off x="730939" y="2777577"/>
-            <a:ext cx="5056253" cy="2123658"/>
-          </a:xfrm>
-          <a:prstGeom prst="rect">
-            <a:avLst/>
-          </a:prstGeom>
-        </p:spPr>
-        <p:txBody>
-          <a:bodyPr wrap="square">
-            <a:spAutoFit/>
-          </a:bodyPr>
-          <a:lstStyle/>
-          <a:p>
-            <a:r>
-              <a:rPr lang="en-US" sz="1200" b="1" dirty="0">
-                <a:latin typeface="Courier"/>
-                <a:cs typeface="Courier"/>
-              </a:rPr>
-              <a:t>p1.fq </a:t>
-            </a:r>
-          </a:p>
-          <a:p>
-            <a:r>
-              <a:rPr lang="en-US" sz="1200" dirty="0">
-                <a:latin typeface="Courier"/>
-                <a:cs typeface="Courier"/>
-              </a:rPr>
-              <a:t>@read1</a:t>
-            </a:r>
-          </a:p>
-          <a:p>
-            <a:r>
-              <a:rPr lang="en-US" sz="1200" dirty="0">
-                <a:latin typeface="Courier"/>
-                <a:cs typeface="Courier"/>
-              </a:rPr>
-              <a:t>ACTAGATGTAGAGATATTAATGTTGATGTTATTCATGATCACCTTGCCTTAG</a:t>
-            </a:r>
-          </a:p>
-          <a:p>
-            <a:r>
-              <a:rPr lang="en-US" sz="1200" dirty="0">
-                <a:latin typeface="Courier"/>
-                <a:cs typeface="Courier"/>
-              </a:rPr>
-              <a:t>+</a:t>
-            </a:r>
-          </a:p>
-          <a:p>
-            <a:r>
-              <a:rPr lang="en-US" sz="1200" dirty="0">
-                <a:latin typeface="Courier"/>
-                <a:cs typeface="Courier"/>
-              </a:rPr>
-              <a:t>DDDDDDDDDDDDDDDDDDDDDDDDEEDDDDDDDDDDDDDDDDDDDDDDDDDD</a:t>
-            </a:r>
-          </a:p>
-          <a:p>
-            <a:endParaRPr lang="en-US" sz="1200" dirty="0">
-              <a:latin typeface="Courier"/>
-              <a:cs typeface="Courier"/>
-            </a:endParaRPr>
-          </a:p>
-          <a:p>
-            <a:r>
-              <a:rPr lang="en-US" sz="1200" b="1" dirty="0">
-                <a:latin typeface="Courier"/>
-                <a:cs typeface="Courier"/>
-              </a:rPr>
-              <a:t>p2.fq </a:t>
-            </a:r>
-          </a:p>
-          <a:p>
-            <a:r>
-              <a:rPr lang="en-US" sz="1200" dirty="0">
-                <a:latin typeface="Courier"/>
-                <a:cs typeface="Courier"/>
-              </a:rPr>
-              <a:t>@read1</a:t>
-            </a:r>
-          </a:p>
-          <a:p>
-            <a:r>
-              <a:rPr lang="en-US" sz="1200" dirty="0">
-                <a:latin typeface="Courier"/>
-                <a:cs typeface="Courier"/>
-              </a:rPr>
-              <a:t>AAGGCAAGGTGATCATGAATAACATCAACATTAATATCTCTACATCTAGTAG</a:t>
-            </a:r>
-          </a:p>
-          <a:p>
-            <a:r>
-              <a:rPr lang="en-US" sz="1200" dirty="0">
-                <a:latin typeface="Courier"/>
-                <a:cs typeface="Courier"/>
-              </a:rPr>
-              <a:t>+</a:t>
-            </a:r>
-          </a:p>
-          <a:p>
-            <a:r>
-              <a:rPr lang="en-US" sz="1200" dirty="0">
-                <a:latin typeface="Courier"/>
-                <a:cs typeface="Courier"/>
-              </a:rPr>
-              <a:t>DDDDDDDDDDDDDDDDDDDDDDDDDDDDDDDDDDDDDDDDDDDDDDDDDDDD</a:t>
-            </a:r>
-          </a:p>
-        </p:txBody>
-      </p:sp>
-      <p:sp>
-        <p:nvSpPr>
-          <p:cNvPr id="5" name="Rectangle 4"/>
-          <p:cNvSpPr/>
-          <p:nvPr/>
-        </p:nvSpPr>
-        <p:spPr>
-          <a:xfrm>
-            <a:off x="630611" y="5533047"/>
-            <a:ext cx="8078734" cy="923330"/>
-          </a:xfrm>
-          <a:prstGeom prst="rect">
-            <a:avLst/>
-          </a:prstGeom>
-        </p:spPr>
-        <p:txBody>
-          <a:bodyPr wrap="square">
-            <a:spAutoFit/>
-          </a:bodyPr>
-          <a:lstStyle/>
-          <a:p>
-            <a:r>
-              <a:rPr lang="en-US" dirty="0">
-                <a:latin typeface="Courier"/>
-                <a:cs typeface="Courier"/>
-              </a:rPr>
-              <a:t>  ACTAGATGTAGAGATATTAATGTTGATGTTATTCATGATCACCTTGCCTTAG</a:t>
-            </a:r>
-          </a:p>
-          <a:p>
-            <a:r>
-              <a:rPr lang="en-US" dirty="0">
-                <a:latin typeface="Courier"/>
-                <a:cs typeface="Courier"/>
-              </a:rPr>
-              <a:t>  ||||||||||||||||||||||||||||||||||||||||||||||||||</a:t>
-            </a:r>
-          </a:p>
-          <a:p>
-            <a:r>
-              <a:rPr lang="en-US" dirty="0">
-                <a:latin typeface="Courier"/>
-                <a:cs typeface="Courier"/>
-              </a:rPr>
-              <a:t>GATGATCTACATCTCTATAATTACAACTACAATAAGTACTAGTGGAACGGAA</a:t>
+              <a:rPr lang="en-US" sz="2000" dirty="0" err="1">
+                <a:latin typeface="Courier"/>
+                <a:cs typeface="Courier"/>
+              </a:rPr>
+              <a:t>trimfq</a:t>
+            </a:r>
+            <a:r>
+              <a:rPr lang="en-US" sz="2000" dirty="0">
+                <a:latin typeface="Courier"/>
+                <a:cs typeface="Courier"/>
+              </a:rPr>
+              <a:t> -b 5 </a:t>
+            </a:r>
+            <a:r>
+              <a:rPr lang="en-US" sz="2000" dirty="0" err="1">
+                <a:latin typeface="Courier"/>
+                <a:cs typeface="Courier"/>
+              </a:rPr>
+              <a:t>example.fq</a:t>
+            </a:r>
+            <a:r>
+              <a:rPr lang="en-US" sz="2000" dirty="0">
+                <a:latin typeface="Courier"/>
+                <a:cs typeface="Courier"/>
+              </a:rPr>
+              <a:t> &gt; trim5b.fq</a:t>
+            </a:r>
+          </a:p>
+          <a:p>
+            <a:pPr marL="0" indent="0">
+              <a:buNone/>
+            </a:pPr>
+            <a:r>
+              <a:rPr lang="en-US" sz="2000" dirty="0" err="1">
+                <a:latin typeface="Courier"/>
+                <a:cs typeface="Courier"/>
+              </a:rPr>
+              <a:t>seqtk</a:t>
+            </a:r>
+            <a:r>
+              <a:rPr lang="en-US" sz="2000" dirty="0">
+                <a:latin typeface="Courier"/>
+                <a:cs typeface="Courier"/>
+              </a:rPr>
+              <a:t> </a:t>
+            </a:r>
+            <a:r>
+              <a:rPr lang="en-US" sz="2000" dirty="0" err="1">
+                <a:latin typeface="Courier"/>
+                <a:cs typeface="Courier"/>
+              </a:rPr>
+              <a:t>trimfq</a:t>
+            </a:r>
+            <a:r>
+              <a:rPr lang="en-US" sz="2000" dirty="0">
+                <a:latin typeface="Courier"/>
+                <a:cs typeface="Courier"/>
+              </a:rPr>
+              <a:t> -e 5 </a:t>
+            </a:r>
+            <a:r>
+              <a:rPr lang="en-US" sz="2000" dirty="0" err="1">
+                <a:latin typeface="Courier"/>
+                <a:cs typeface="Courier"/>
+              </a:rPr>
+              <a:t>example.fq</a:t>
+            </a:r>
+            <a:r>
+              <a:rPr lang="en-US" sz="2000" dirty="0">
+                <a:latin typeface="Courier"/>
+                <a:cs typeface="Courier"/>
+              </a:rPr>
+              <a:t> &gt; trim5e.fq</a:t>
+            </a:r>
+          </a:p>
+          <a:p>
+            <a:pPr marL="0" indent="0">
+              <a:buNone/>
+            </a:pPr>
+            <a:r>
+              <a:rPr lang="en-US" sz="2000" dirty="0" err="1">
+                <a:latin typeface="Courier"/>
+                <a:cs typeface="Courier"/>
+              </a:rPr>
+              <a:t>seqtk</a:t>
+            </a:r>
+            <a:r>
+              <a:rPr lang="en-US" sz="2000" dirty="0">
+                <a:latin typeface="Courier"/>
+                <a:cs typeface="Courier"/>
+              </a:rPr>
+              <a:t> </a:t>
+            </a:r>
+            <a:r>
+              <a:rPr lang="en-US" sz="2000" dirty="0" err="1">
+                <a:latin typeface="Courier"/>
+                <a:cs typeface="Courier"/>
+              </a:rPr>
+              <a:t>trimfq</a:t>
+            </a:r>
+            <a:r>
+              <a:rPr lang="en-US" sz="2000" dirty="0">
+                <a:latin typeface="Courier"/>
+                <a:cs typeface="Courier"/>
+              </a:rPr>
+              <a:t> -b 5 -e 5 </a:t>
+            </a:r>
+            <a:r>
+              <a:rPr lang="en-US" sz="2000" dirty="0" err="1">
+                <a:latin typeface="Courier"/>
+                <a:cs typeface="Courier"/>
+              </a:rPr>
+              <a:t>example.fq</a:t>
+            </a:r>
+            <a:r>
+              <a:rPr lang="en-US" sz="2000" dirty="0">
+                <a:latin typeface="Courier"/>
+                <a:cs typeface="Courier"/>
+              </a:rPr>
+              <a:t> &gt; trim5b5e.fq</a:t>
             </a:r>
           </a:p>
         </p:txBody>
@@ -5015,7 +5016,7 @@
     </p:spTree>
     <p:extLst>
       <p:ext uri="{BB962C8B-B14F-4D97-AF65-F5344CB8AC3E}">
-        <p14:creationId xmlns:p14="http://schemas.microsoft.com/office/powerpoint/2010/main" val="4275709700"/>
+        <p14:creationId xmlns:p14="http://schemas.microsoft.com/office/powerpoint/2010/main" val="1831469251"/>
       </p:ext>
     </p:extLst>
   </p:cSld>
@@ -5063,7 +5064,7 @@
             </a:r>
             <a:r>
               <a:rPr lang="en-US" dirty="0"/>
-              <a:t> case I command line</a:t>
+              <a:t> case I</a:t>
             </a:r>
           </a:p>
         </p:txBody>
@@ -5080,8 +5081,8 @@
         </p:nvSpPr>
         <p:spPr>
           <a:xfrm>
-            <a:off x="157119" y="1384876"/>
-            <a:ext cx="8986881" cy="4919863"/>
+            <a:off x="402578" y="1444562"/>
+            <a:ext cx="8229600" cy="964000"/>
           </a:xfrm>
         </p:spPr>
         <p:txBody>
@@ -5094,178 +5095,266 @@
               <a:buNone/>
             </a:pPr>
             <a:r>
-              <a:rPr lang="en-US" sz="1800" dirty="0">
-                <a:latin typeface="Courier"/>
-                <a:cs typeface="Courier"/>
-              </a:rPr>
-              <a:t># adaptor trimming</a:t>
-            </a:r>
-          </a:p>
-          <a:p>
-            <a:pPr marL="0" indent="0">
-              <a:buNone/>
-            </a:pPr>
-            <a:r>
-              <a:rPr lang="en-US" sz="1800" dirty="0">
-                <a:latin typeface="Courier"/>
-                <a:cs typeface="Courier"/>
-              </a:rPr>
-              <a:t>module load Java/1.8.0_192</a:t>
-            </a:r>
-          </a:p>
-          <a:p>
-            <a:pPr marL="0" indent="0">
-              <a:buNone/>
-            </a:pPr>
-            <a:r>
-              <a:rPr lang="en-US" sz="1400" dirty="0" err="1">
-                <a:latin typeface="Courier"/>
-                <a:cs typeface="Courier"/>
-              </a:rPr>
-              <a:t>trimJar</a:t>
-            </a:r>
-            <a:r>
-              <a:rPr lang="en-US" sz="1400" dirty="0">
-                <a:latin typeface="Courier"/>
-                <a:cs typeface="Courier"/>
-              </a:rPr>
-              <a:t>=/homes/liu3zhen/software/</a:t>
-            </a:r>
-            <a:r>
-              <a:rPr lang="en-US" sz="1400" dirty="0" err="1">
-                <a:latin typeface="Courier"/>
-                <a:cs typeface="Courier"/>
-              </a:rPr>
+              <a:rPr lang="en-US" sz="1600" dirty="0" err="1">
+                <a:latin typeface="Courier"/>
+                <a:cs typeface="Courier"/>
+              </a:rPr>
+              <a:t>cp</a:t>
+            </a:r>
+            <a:r>
+              <a:rPr lang="en-US" sz="1600" dirty="0">
+                <a:latin typeface="Courier"/>
+                <a:cs typeface="Courier"/>
+              </a:rPr>
+              <a:t> </a:t>
+            </a:r>
+            <a:r>
+              <a:rPr lang="en-US" sz="1600" dirty="0"/>
+              <a:t>/homes/liu3zhen/teaching/datasets/</a:t>
+            </a:r>
+            <a:r>
+              <a:rPr lang="en-US" sz="1600" dirty="0" err="1"/>
               <a:t>trimmomatic</a:t>
             </a:r>
             <a:r>
-              <a:rPr lang="en-US" sz="1400" dirty="0">
-                <a:latin typeface="Courier"/>
-                <a:cs typeface="Courier"/>
-              </a:rPr>
-              <a:t>/Trimmomatic-0.38/trimmomatic-0.38.jar</a:t>
-            </a:r>
-          </a:p>
-          <a:p>
-            <a:pPr marL="0" indent="0">
-              <a:buNone/>
-            </a:pPr>
+              <a:rPr lang="en-US" sz="1600" dirty="0">
+                <a:latin typeface="Courier"/>
+                <a:cs typeface="Courier"/>
+              </a:rPr>
+              <a:t>/p*</a:t>
+            </a:r>
+            <a:r>
+              <a:rPr lang="en-US" sz="1600" dirty="0" err="1">
+                <a:latin typeface="Courier"/>
+                <a:cs typeface="Courier"/>
+              </a:rPr>
+              <a:t>fq</a:t>
+            </a:r>
+            <a:r>
+              <a:rPr lang="en-US" sz="1600" dirty="0">
+                <a:latin typeface="Courier"/>
+                <a:cs typeface="Courier"/>
+              </a:rPr>
+              <a:t> .</a:t>
+            </a:r>
+          </a:p>
+          <a:p>
+            <a:pPr marL="0" indent="0">
+              <a:buNone/>
+            </a:pPr>
+            <a:endParaRPr lang="en-US" sz="1600" dirty="0">
+              <a:latin typeface="Courier"/>
+              <a:cs typeface="Courier"/>
+            </a:endParaRPr>
+          </a:p>
+          <a:p>
+            <a:pPr marL="0" indent="0">
+              <a:buNone/>
+            </a:pPr>
+            <a:r>
+              <a:rPr lang="en-US" sz="1600" dirty="0" err="1">
+                <a:latin typeface="Courier"/>
+                <a:cs typeface="Courier"/>
+              </a:rPr>
+              <a:t>cp</a:t>
+            </a:r>
+            <a:r>
+              <a:rPr lang="en-US" sz="1600" dirty="0">
+                <a:latin typeface="Courier"/>
+                <a:cs typeface="Courier"/>
+              </a:rPr>
+              <a:t> </a:t>
+            </a:r>
+            <a:r>
+              <a:rPr lang="en-US" sz="1600" dirty="0"/>
+              <a:t>/homes/liu3zhen/teaching/datasets/</a:t>
+            </a:r>
+            <a:r>
+              <a:rPr lang="en-US" sz="1600" dirty="0" err="1"/>
+              <a:t>trimmomatic</a:t>
+            </a:r>
+            <a:r>
+              <a:rPr lang="en-US" sz="1600" dirty="0">
+                <a:latin typeface="Courier"/>
+                <a:cs typeface="Courier"/>
+              </a:rPr>
+              <a:t>/TruSeq3-PE.fa .</a:t>
+            </a:r>
+          </a:p>
+          <a:p>
+            <a:pPr marL="0" indent="0">
+              <a:buNone/>
+            </a:pPr>
+            <a:endParaRPr lang="en-US" sz="1600" dirty="0">
+              <a:latin typeface="Courier"/>
+              <a:cs typeface="Courier"/>
+            </a:endParaRPr>
+          </a:p>
+        </p:txBody>
+      </p:sp>
+      <p:sp>
+        <p:nvSpPr>
+          <p:cNvPr id="4" name="Rectangle 3"/>
+          <p:cNvSpPr/>
+          <p:nvPr/>
+        </p:nvSpPr>
+        <p:spPr>
+          <a:xfrm>
+            <a:off x="730939" y="2777577"/>
+            <a:ext cx="5056253" cy="2123658"/>
+          </a:xfrm>
+          <a:prstGeom prst="rect">
+            <a:avLst/>
+          </a:prstGeom>
+        </p:spPr>
+        <p:txBody>
+          <a:bodyPr wrap="square">
+            <a:spAutoFit/>
+          </a:bodyPr>
+          <a:lstStyle/>
+          <a:p>
+            <a:r>
+              <a:rPr lang="en-US" sz="1200" b="1" dirty="0">
+                <a:latin typeface="Courier"/>
+                <a:cs typeface="Courier"/>
+              </a:rPr>
+              <a:t>p1.fq </a:t>
+            </a:r>
+          </a:p>
+          <a:p>
+            <a:r>
+              <a:rPr lang="en-US" sz="1200" dirty="0">
+                <a:latin typeface="Courier"/>
+                <a:cs typeface="Courier"/>
+              </a:rPr>
+              <a:t>@read1</a:t>
+            </a:r>
+          </a:p>
+          <a:p>
+            <a:r>
+              <a:rPr lang="en-US" sz="1200" dirty="0">
+                <a:latin typeface="Courier"/>
+                <a:cs typeface="Courier"/>
+              </a:rPr>
+              <a:t>ACTAGATGTAGAGATATTAATGTTGATGTTATTCATGATCACCTTGCCTTAG</a:t>
+            </a:r>
+          </a:p>
+          <a:p>
+            <a:r>
+              <a:rPr lang="en-US" sz="1200" dirty="0">
+                <a:latin typeface="Courier"/>
+                <a:cs typeface="Courier"/>
+              </a:rPr>
+              <a:t>+</a:t>
+            </a:r>
+          </a:p>
+          <a:p>
+            <a:r>
+              <a:rPr lang="en-US" sz="1200" dirty="0">
+                <a:latin typeface="Courier"/>
+                <a:cs typeface="Courier"/>
+              </a:rPr>
+              <a:t>DDDDDDDDDDDDDDDDDDDDDDDDEEDDDDDDDDDDDDDDDDDDDDDDDDDD</a:t>
+            </a:r>
+          </a:p>
+          <a:p>
+            <a:endParaRPr lang="en-US" sz="1200" dirty="0">
+              <a:latin typeface="Courier"/>
+              <a:cs typeface="Courier"/>
+            </a:endParaRPr>
+          </a:p>
+          <a:p>
+            <a:r>
+              <a:rPr lang="en-US" sz="1200" b="1" dirty="0">
+                <a:latin typeface="Courier"/>
+                <a:cs typeface="Courier"/>
+              </a:rPr>
+              <a:t>p2.fq </a:t>
+            </a:r>
+          </a:p>
+          <a:p>
+            <a:r>
+              <a:rPr lang="en-US" sz="1200" dirty="0">
+                <a:latin typeface="Courier"/>
+                <a:cs typeface="Courier"/>
+              </a:rPr>
+              <a:t>@read1</a:t>
+            </a:r>
+          </a:p>
+          <a:p>
+            <a:r>
+              <a:rPr lang="en-US" sz="1200" dirty="0">
+                <a:latin typeface="Courier"/>
+                <a:cs typeface="Courier"/>
+              </a:rPr>
+              <a:t>AAGGCAAGGTGATCATGAATAACATCAACATTAATATCTCTACATCTAGTAG</a:t>
+            </a:r>
+          </a:p>
+          <a:p>
+            <a:r>
+              <a:rPr lang="en-US" sz="1200" dirty="0">
+                <a:latin typeface="Courier"/>
+                <a:cs typeface="Courier"/>
+              </a:rPr>
+              <a:t>+</a:t>
+            </a:r>
+          </a:p>
+          <a:p>
+            <a:r>
+              <a:rPr lang="en-US" sz="1200" dirty="0">
+                <a:latin typeface="Courier"/>
+                <a:cs typeface="Courier"/>
+              </a:rPr>
+              <a:t>DDDDDDDDDDDDDDDDDDDDDDDDDDDDDDDDDDDDDDDDDDDDDDDDDDDD</a:t>
+            </a:r>
+          </a:p>
+        </p:txBody>
+      </p:sp>
+      <p:sp>
+        <p:nvSpPr>
+          <p:cNvPr id="5" name="Rectangle 4"/>
+          <p:cNvSpPr/>
+          <p:nvPr/>
+        </p:nvSpPr>
+        <p:spPr>
+          <a:xfrm>
+            <a:off x="630611" y="5533047"/>
+            <a:ext cx="8078734" cy="923330"/>
+          </a:xfrm>
+          <a:prstGeom prst="rect">
+            <a:avLst/>
+          </a:prstGeom>
+        </p:spPr>
+        <p:txBody>
+          <a:bodyPr wrap="square">
+            <a:spAutoFit/>
+          </a:bodyPr>
+          <a:lstStyle/>
+          <a:p>
             <a:r>
               <a:rPr lang="en-US" dirty="0">
                 <a:latin typeface="Courier"/>
                 <a:cs typeface="Courier"/>
               </a:rPr>
-              <a:t>java -jar $</a:t>
-            </a:r>
-            <a:r>
-              <a:rPr lang="en-US" dirty="0" err="1">
-                <a:latin typeface="Courier"/>
-                <a:cs typeface="Courier"/>
-              </a:rPr>
-              <a:t>trimJar</a:t>
-            </a:r>
+              <a:t>  ACTAGATGTAGAGATATTAATGTTGATGTTATTCATGATCACCTTGCCTTAG</a:t>
+            </a:r>
+          </a:p>
+          <a:p>
             <a:r>
               <a:rPr lang="en-US" dirty="0">
                 <a:latin typeface="Courier"/>
                 <a:cs typeface="Courier"/>
               </a:rPr>
-              <a:t> PE \</a:t>
-            </a:r>
-          </a:p>
-          <a:p>
-            <a:pPr marL="0" indent="0">
-              <a:buNone/>
-            </a:pPr>
-            <a:r>
-              <a:rPr lang="de-DE" dirty="0">
-                <a:latin typeface="Courier"/>
-                <a:cs typeface="Courier"/>
-              </a:rPr>
-              <a:t>  -phred33 \</a:t>
-            </a:r>
-          </a:p>
-          <a:p>
-            <a:pPr marL="0" indent="0">
-              <a:buNone/>
-            </a:pPr>
-            <a:r>
-              <a:rPr lang="de-DE" dirty="0">
-                <a:latin typeface="Courier"/>
-                <a:cs typeface="Courier"/>
-              </a:rPr>
-              <a:t>  p1.fq p2.fq \</a:t>
-            </a:r>
-          </a:p>
-          <a:p>
-            <a:pPr marL="0" indent="0">
-              <a:buNone/>
-            </a:pPr>
-            <a:r>
-              <a:rPr lang="pt-BR" dirty="0">
-                <a:latin typeface="Courier"/>
-                <a:cs typeface="Courier"/>
-              </a:rPr>
-              <a:t>  out.p1.fq out.s1.fq \</a:t>
-            </a:r>
-          </a:p>
-          <a:p>
-            <a:pPr marL="0" indent="0">
-              <a:buNone/>
-            </a:pPr>
-            <a:r>
-              <a:rPr lang="pt-BR" dirty="0">
-                <a:latin typeface="Courier"/>
-                <a:cs typeface="Courier"/>
-              </a:rPr>
-              <a:t>  out.p2.fq out.s2.fq \</a:t>
-            </a:r>
-          </a:p>
-          <a:p>
-            <a:pPr marL="0" indent="0">
-              <a:buNone/>
-            </a:pPr>
-            <a:r>
-              <a:rPr lang="pt-BR" dirty="0">
-                <a:latin typeface="Courier"/>
-                <a:cs typeface="Courier"/>
-              </a:rPr>
-              <a:t>  ILLUMINACLIP:TruSeq3-PE.fa:3:20:10:1:true \</a:t>
-            </a:r>
-          </a:p>
-          <a:p>
-            <a:pPr marL="0" indent="0">
-              <a:buNone/>
-            </a:pPr>
-            <a:r>
-              <a:rPr lang="pt-BR" dirty="0">
-                <a:latin typeface="Courier"/>
-                <a:cs typeface="Courier"/>
-              </a:rPr>
-              <a:t>  LEADING:3 TRAILING:3 \</a:t>
-            </a:r>
-          </a:p>
-          <a:p>
-            <a:pPr marL="0" indent="0">
-              <a:buNone/>
-            </a:pPr>
-            <a:r>
-              <a:rPr lang="pt-BR" dirty="0">
-                <a:latin typeface="Courier"/>
-                <a:cs typeface="Courier"/>
-              </a:rPr>
-              <a:t>  SLIDINGWINDOW:4:0 \</a:t>
-            </a:r>
-          </a:p>
-          <a:p>
-            <a:pPr marL="0" indent="0">
-              <a:buNone/>
-            </a:pPr>
-            <a:r>
-              <a:rPr lang="pt-BR" dirty="0">
-                <a:latin typeface="Courier"/>
-                <a:cs typeface="Courier"/>
-              </a:rPr>
-              <a:t>  MINLEN:0</a:t>
+              <a:t>  ||||||||||||||||||||||||||||||||||||||||||||||||||</a:t>
+            </a:r>
+          </a:p>
+          <a:p>
+            <a:r>
+              <a:rPr lang="en-US" dirty="0">
+                <a:latin typeface="Courier"/>
+                <a:cs typeface="Courier"/>
+              </a:rPr>
+              <a:t>GATGATCTACATCTCTATAATTACAACTACAATAAGTACTAGTGGAACGGAA</a:t>
             </a:r>
           </a:p>
         </p:txBody>
@@ -5273,7 +5362,7 @@
     </p:spTree>
     <p:extLst>
       <p:ext uri="{BB962C8B-B14F-4D97-AF65-F5344CB8AC3E}">
-        <p14:creationId xmlns:p14="http://schemas.microsoft.com/office/powerpoint/2010/main" val="735177450"/>
+        <p14:creationId xmlns:p14="http://schemas.microsoft.com/office/powerpoint/2010/main" val="4275709700"/>
       </p:ext>
     </p:extLst>
   </p:cSld>
@@ -5310,6 +5399,264 @@
             <p:ph type="title"/>
           </p:nvPr>
         </p:nvSpPr>
+        <p:spPr/>
+        <p:txBody>
+          <a:bodyPr/>
+          <a:lstStyle/>
+          <a:p>
+            <a:r>
+              <a:rPr lang="en-US" dirty="0" err="1"/>
+              <a:t>Trimmomatic</a:t>
+            </a:r>
+            <a:r>
+              <a:rPr lang="en-US" dirty="0"/>
+              <a:t> case I command line</a:t>
+            </a:r>
+          </a:p>
+        </p:txBody>
+      </p:sp>
+      <p:sp>
+        <p:nvSpPr>
+          <p:cNvPr id="3" name="Content Placeholder 2"/>
+          <p:cNvSpPr>
+            <a:spLocks noGrp="1"/>
+          </p:cNvSpPr>
+          <p:nvPr>
+            <p:ph idx="1"/>
+          </p:nvPr>
+        </p:nvSpPr>
+        <p:spPr>
+          <a:xfrm>
+            <a:off x="157119" y="1384876"/>
+            <a:ext cx="8986881" cy="4919863"/>
+          </a:xfrm>
+        </p:spPr>
+        <p:txBody>
+          <a:bodyPr>
+            <a:noAutofit/>
+          </a:bodyPr>
+          <a:lstStyle/>
+          <a:p>
+            <a:pPr marL="0" indent="0">
+              <a:buNone/>
+            </a:pPr>
+            <a:r>
+              <a:rPr lang="en-US" sz="1800" dirty="0">
+                <a:latin typeface="Courier"/>
+                <a:cs typeface="Courier"/>
+              </a:rPr>
+              <a:t># adaptor trimming</a:t>
+            </a:r>
+          </a:p>
+          <a:p>
+            <a:pPr marL="0" indent="0">
+              <a:buNone/>
+            </a:pPr>
+            <a:r>
+              <a:rPr lang="en-US" sz="1800" dirty="0">
+                <a:latin typeface="Courier"/>
+                <a:cs typeface="Courier"/>
+              </a:rPr>
+              <a:t>module load Java/1.8.0_192</a:t>
+            </a:r>
+          </a:p>
+          <a:p>
+            <a:pPr marL="0" indent="0">
+              <a:buNone/>
+            </a:pPr>
+            <a:r>
+              <a:rPr lang="en-US" sz="1400" dirty="0" err="1">
+                <a:latin typeface="Courier"/>
+                <a:cs typeface="Courier"/>
+              </a:rPr>
+              <a:t>trimJar</a:t>
+            </a:r>
+            <a:r>
+              <a:rPr lang="en-US" sz="1400" dirty="0">
+                <a:latin typeface="Courier"/>
+                <a:cs typeface="Courier"/>
+              </a:rPr>
+              <a:t>=/homes/liu3zhen/software/</a:t>
+            </a:r>
+            <a:r>
+              <a:rPr lang="en-US" sz="1400" dirty="0" err="1">
+                <a:latin typeface="Courier"/>
+                <a:cs typeface="Courier"/>
+              </a:rPr>
+              <a:t>trimmomatic</a:t>
+            </a:r>
+            <a:r>
+              <a:rPr lang="en-US" sz="1400" dirty="0">
+                <a:latin typeface="Courier"/>
+                <a:cs typeface="Courier"/>
+              </a:rPr>
+              <a:t>/Trimmomatic-0.38/trimmomatic-0.38.jar</a:t>
+            </a:r>
+          </a:p>
+          <a:p>
+            <a:pPr marL="0" indent="0">
+              <a:buNone/>
+            </a:pPr>
+            <a:r>
+              <a:rPr lang="en-US" dirty="0">
+                <a:latin typeface="Courier"/>
+                <a:cs typeface="Courier"/>
+              </a:rPr>
+              <a:t>java -jar $</a:t>
+            </a:r>
+            <a:r>
+              <a:rPr lang="en-US" dirty="0" err="1">
+                <a:latin typeface="Courier"/>
+                <a:cs typeface="Courier"/>
+              </a:rPr>
+              <a:t>trimJar</a:t>
+            </a:r>
+            <a:r>
+              <a:rPr lang="en-US" dirty="0">
+                <a:latin typeface="Courier"/>
+                <a:cs typeface="Courier"/>
+              </a:rPr>
+              <a:t> PE \</a:t>
+            </a:r>
+          </a:p>
+          <a:p>
+            <a:pPr marL="0" indent="0">
+              <a:buNone/>
+            </a:pPr>
+            <a:r>
+              <a:rPr lang="de-DE" dirty="0">
+                <a:latin typeface="Courier"/>
+                <a:cs typeface="Courier"/>
+              </a:rPr>
+              <a:t>  -phred33 \</a:t>
+            </a:r>
+          </a:p>
+          <a:p>
+            <a:pPr marL="0" indent="0">
+              <a:buNone/>
+            </a:pPr>
+            <a:r>
+              <a:rPr lang="de-DE" dirty="0">
+                <a:latin typeface="Courier"/>
+                <a:cs typeface="Courier"/>
+              </a:rPr>
+              <a:t>  p1.fq p2.fq \</a:t>
+            </a:r>
+          </a:p>
+          <a:p>
+            <a:pPr marL="0" indent="0">
+              <a:buNone/>
+            </a:pPr>
+            <a:r>
+              <a:rPr lang="pt-BR" dirty="0">
+                <a:latin typeface="Courier"/>
+                <a:cs typeface="Courier"/>
+              </a:rPr>
+              <a:t>  out.p1.fq out.s1.fq \</a:t>
+            </a:r>
+          </a:p>
+          <a:p>
+            <a:pPr marL="0" indent="0">
+              <a:buNone/>
+            </a:pPr>
+            <a:r>
+              <a:rPr lang="pt-BR" dirty="0">
+                <a:latin typeface="Courier"/>
+                <a:cs typeface="Courier"/>
+              </a:rPr>
+              <a:t>  out.p2.fq out.s2.fq \</a:t>
+            </a:r>
+          </a:p>
+          <a:p>
+            <a:pPr marL="0" indent="0">
+              <a:buNone/>
+            </a:pPr>
+            <a:r>
+              <a:rPr lang="pt-BR" dirty="0">
+                <a:latin typeface="Courier"/>
+                <a:cs typeface="Courier"/>
+              </a:rPr>
+              <a:t>  ILLUMINACLIP:TruSeq3-PE.fa:3:20:10:1:true \</a:t>
+            </a:r>
+          </a:p>
+          <a:p>
+            <a:pPr marL="0" indent="0">
+              <a:buNone/>
+            </a:pPr>
+            <a:r>
+              <a:rPr lang="pt-BR" dirty="0">
+                <a:latin typeface="Courier"/>
+                <a:cs typeface="Courier"/>
+              </a:rPr>
+              <a:t>  LEADING:3 TRAILING:3 \</a:t>
+            </a:r>
+          </a:p>
+          <a:p>
+            <a:pPr marL="0" indent="0">
+              <a:buNone/>
+            </a:pPr>
+            <a:r>
+              <a:rPr lang="pt-BR" dirty="0">
+                <a:latin typeface="Courier"/>
+                <a:cs typeface="Courier"/>
+              </a:rPr>
+              <a:t>  SLIDINGWINDOW:4:0 \</a:t>
+            </a:r>
+          </a:p>
+          <a:p>
+            <a:pPr marL="0" indent="0">
+              <a:buNone/>
+            </a:pPr>
+            <a:r>
+              <a:rPr lang="pt-BR" dirty="0">
+                <a:latin typeface="Courier"/>
+                <a:cs typeface="Courier"/>
+              </a:rPr>
+              <a:t>  MINLEN:0</a:t>
+            </a:r>
+          </a:p>
+        </p:txBody>
+      </p:sp>
+    </p:spTree>
+    <p:extLst>
+      <p:ext uri="{BB962C8B-B14F-4D97-AF65-F5344CB8AC3E}">
+        <p14:creationId xmlns:p14="http://schemas.microsoft.com/office/powerpoint/2010/main" val="735177450"/>
+      </p:ext>
+    </p:extLst>
+  </p:cSld>
+  <p:clrMapOvr>
+    <a:masterClrMapping/>
+  </p:clrMapOvr>
+</p:sld>
+</file>
+
+<file path=ppt/slides/slide17.xml><?xml version="1.0" encoding="utf-8"?>
+<p:sld xmlns:a="http://schemas.openxmlformats.org/drawingml/2006/main" xmlns:r="http://schemas.openxmlformats.org/officeDocument/2006/relationships" xmlns:p="http://schemas.openxmlformats.org/presentationml/2006/main">
+  <p:cSld>
+    <p:spTree>
+      <p:nvGrpSpPr>
+        <p:cNvPr id="1" name=""/>
+        <p:cNvGrpSpPr/>
+        <p:nvPr/>
+      </p:nvGrpSpPr>
+      <p:grpSpPr>
+        <a:xfrm>
+          <a:off x="0" y="0"/>
+          <a:ext cx="0" cy="0"/>
+          <a:chOff x="0" y="0"/>
+          <a:chExt cx="0" cy="0"/>
+        </a:xfrm>
+      </p:grpSpPr>
+      <p:sp>
+        <p:nvSpPr>
+          <p:cNvPr id="2" name="Title 1"/>
+          <p:cNvSpPr>
+            <a:spLocks noGrp="1"/>
+          </p:cNvSpPr>
+          <p:nvPr>
+            <p:ph type="title"/>
+          </p:nvPr>
+        </p:nvSpPr>
         <p:spPr>
           <a:xfrm>
             <a:off x="457200" y="274639"/>
@@ -5501,7 +5848,7 @@
 </p:sld>
 </file>
 
-<file path=ppt/slides/slide17.xml><?xml version="1.0" encoding="utf-8"?>
+<file path=ppt/slides/slide18.xml><?xml version="1.0" encoding="utf-8"?>
 <p:sld xmlns:a="http://schemas.openxmlformats.org/drawingml/2006/main" xmlns:r="http://schemas.openxmlformats.org/officeDocument/2006/relationships" xmlns:p="http://schemas.openxmlformats.org/presentationml/2006/main">
   <p:cSld>
     <p:spTree>
@@ -5866,7 +6213,7 @@
 </p:sld>
 </file>
 
-<file path=ppt/slides/slide18.xml><?xml version="1.0" encoding="utf-8"?>
+<file path=ppt/slides/slide19.xml><?xml version="1.0" encoding="utf-8"?>
 <p:sld xmlns:a="http://schemas.openxmlformats.org/drawingml/2006/main" xmlns:r="http://schemas.openxmlformats.org/officeDocument/2006/relationships" xmlns:p="http://schemas.openxmlformats.org/presentationml/2006/main">
   <p:cSld>
     <p:spTree>
@@ -6320,236 +6667,6 @@
 </p:sld>
 </file>
 
-<file path=ppt/slides/slide19.xml><?xml version="1.0" encoding="utf-8"?>
-<p:sld xmlns:a="http://schemas.openxmlformats.org/drawingml/2006/main" xmlns:r="http://schemas.openxmlformats.org/officeDocument/2006/relationships" xmlns:p="http://schemas.openxmlformats.org/presentationml/2006/main">
-  <p:cSld>
-    <p:spTree>
-      <p:nvGrpSpPr>
-        <p:cNvPr id="1" name=""/>
-        <p:cNvGrpSpPr/>
-        <p:nvPr/>
-      </p:nvGrpSpPr>
-      <p:grpSpPr>
-        <a:xfrm>
-          <a:off x="0" y="0"/>
-          <a:ext cx="0" cy="0"/>
-          <a:chOff x="0" y="0"/>
-          <a:chExt cx="0" cy="0"/>
-        </a:xfrm>
-      </p:grpSpPr>
-      <p:sp>
-        <p:nvSpPr>
-          <p:cNvPr id="2" name="Title 1"/>
-          <p:cNvSpPr>
-            <a:spLocks noGrp="1"/>
-          </p:cNvSpPr>
-          <p:nvPr>
-            <p:ph type="title"/>
-          </p:nvPr>
-        </p:nvSpPr>
-        <p:spPr/>
-        <p:txBody>
-          <a:bodyPr/>
-          <a:lstStyle/>
-          <a:p>
-            <a:r>
-              <a:rPr lang="en-US" dirty="0" err="1"/>
-              <a:t>Trimmomatic</a:t>
-            </a:r>
-            <a:r>
-              <a:rPr lang="en-US" dirty="0"/>
-              <a:t> case II – </a:t>
-            </a:r>
-            <a:r>
-              <a:rPr lang="en-US" b="1" dirty="0">
-                <a:solidFill>
-                  <a:srgbClr val="FF0000"/>
-                </a:solidFill>
-              </a:rPr>
-              <a:t>with</a:t>
-            </a:r>
-            <a:r>
-              <a:rPr lang="en-US" dirty="0"/>
-              <a:t> quality trimming</a:t>
-            </a:r>
-          </a:p>
-        </p:txBody>
-      </p:sp>
-      <p:sp>
-        <p:nvSpPr>
-          <p:cNvPr id="3" name="Content Placeholder 2"/>
-          <p:cNvSpPr>
-            <a:spLocks noGrp="1"/>
-          </p:cNvSpPr>
-          <p:nvPr>
-            <p:ph idx="1"/>
-          </p:nvPr>
-        </p:nvSpPr>
-        <p:spPr>
-          <a:xfrm>
-            <a:off x="457199" y="1467536"/>
-            <a:ext cx="8537865" cy="4175992"/>
-          </a:xfrm>
-        </p:spPr>
-        <p:txBody>
-          <a:bodyPr>
-            <a:noAutofit/>
-          </a:bodyPr>
-          <a:lstStyle/>
-          <a:p>
-            <a:pPr marL="0" indent="0">
-              <a:buNone/>
-            </a:pPr>
-            <a:r>
-              <a:rPr lang="en-US" dirty="0">
-                <a:latin typeface="Courier"/>
-                <a:cs typeface="Courier"/>
-              </a:rPr>
-              <a:t>java -jar $</a:t>
-            </a:r>
-            <a:r>
-              <a:rPr lang="en-US" dirty="0" err="1">
-                <a:latin typeface="Courier"/>
-                <a:cs typeface="Courier"/>
-              </a:rPr>
-              <a:t>trimJar</a:t>
-            </a:r>
-            <a:r>
-              <a:rPr lang="en-US" dirty="0">
-                <a:latin typeface="Courier"/>
-                <a:cs typeface="Courier"/>
-              </a:rPr>
-              <a:t> PE \</a:t>
-            </a:r>
-          </a:p>
-          <a:p>
-            <a:pPr marL="0" indent="0">
-              <a:buNone/>
-            </a:pPr>
-            <a:r>
-              <a:rPr lang="en-US" dirty="0">
-                <a:latin typeface="Courier"/>
-                <a:cs typeface="Courier"/>
-              </a:rPr>
-              <a:t>  MG1655.pair1.fq \</a:t>
-            </a:r>
-          </a:p>
-          <a:p>
-            <a:pPr marL="0" indent="0">
-              <a:buNone/>
-            </a:pPr>
-            <a:r>
-              <a:rPr lang="en-US" dirty="0">
-                <a:latin typeface="Courier"/>
-                <a:cs typeface="Courier"/>
-              </a:rPr>
-              <a:t>  MG1655.pair2.fq \</a:t>
-            </a:r>
-          </a:p>
-          <a:p>
-            <a:pPr marL="0" indent="0">
-              <a:buNone/>
-            </a:pPr>
-            <a:r>
-              <a:rPr lang="en-US" dirty="0">
-                <a:latin typeface="Courier"/>
-                <a:cs typeface="Courier"/>
-              </a:rPr>
-              <a:t>  MG1655.p1.fq MG1655.s1.fq \</a:t>
-            </a:r>
-          </a:p>
-          <a:p>
-            <a:pPr marL="0" indent="0">
-              <a:buNone/>
-            </a:pPr>
-            <a:r>
-              <a:rPr lang="en-US" dirty="0">
-                <a:latin typeface="Courier"/>
-                <a:cs typeface="Courier"/>
-              </a:rPr>
-              <a:t>  MG1655.p2.fq MG1655.s2.fq \</a:t>
-            </a:r>
-          </a:p>
-          <a:p>
-            <a:pPr marL="0" indent="0">
-              <a:buNone/>
-            </a:pPr>
-            <a:r>
-              <a:rPr lang="en-US" dirty="0">
-                <a:latin typeface="Courier"/>
-                <a:cs typeface="Courier"/>
-              </a:rPr>
-              <a:t>  ILLUMINACLIP:TruSeq3-PE.fa:3:20:10:1:true \</a:t>
-            </a:r>
-          </a:p>
-          <a:p>
-            <a:pPr marL="0" indent="0">
-              <a:buNone/>
-            </a:pPr>
-            <a:r>
-              <a:rPr lang="en-US" dirty="0">
-                <a:latin typeface="Courier"/>
-                <a:cs typeface="Courier"/>
-              </a:rPr>
-              <a:t>  LEADING:3 TRAILING:3 \</a:t>
-            </a:r>
-          </a:p>
-          <a:p>
-            <a:pPr marL="0" indent="0">
-              <a:buNone/>
-            </a:pPr>
-            <a:r>
-              <a:rPr lang="en-US" dirty="0">
-                <a:latin typeface="Courier"/>
-                <a:cs typeface="Courier"/>
-              </a:rPr>
-              <a:t>  SLIDINGWINDOW:4</a:t>
-            </a:r>
-            <a:r>
-              <a:rPr lang="en-US" b="1" dirty="0">
-                <a:solidFill>
-                  <a:srgbClr val="FF0000"/>
-                </a:solidFill>
-                <a:latin typeface="Courier"/>
-                <a:cs typeface="Courier"/>
-              </a:rPr>
-              <a:t>:13 </a:t>
-            </a:r>
-            <a:r>
-              <a:rPr lang="en-US" dirty="0">
-                <a:latin typeface="Courier"/>
-                <a:cs typeface="Courier"/>
-              </a:rPr>
-              <a:t>\</a:t>
-            </a:r>
-          </a:p>
-          <a:p>
-            <a:pPr marL="0" indent="0">
-              <a:buNone/>
-            </a:pPr>
-            <a:r>
-              <a:rPr lang="en-US" dirty="0">
-                <a:latin typeface="Courier"/>
-                <a:cs typeface="Courier"/>
-              </a:rPr>
-              <a:t>  MINLEN:0</a:t>
-            </a:r>
-          </a:p>
-        </p:txBody>
-      </p:sp>
-    </p:spTree>
-    <p:extLst>
-      <p:ext uri="{BB962C8B-B14F-4D97-AF65-F5344CB8AC3E}">
-        <p14:creationId xmlns:p14="http://schemas.microsoft.com/office/powerpoint/2010/main" val="1002351132"/>
-      </p:ext>
-    </p:extLst>
-  </p:cSld>
-  <p:clrMapOvr>
-    <a:masterClrMapping/>
-  </p:clrMapOvr>
-</p:sld>
-</file>
-
 <file path=ppt/slides/slide2.xml><?xml version="1.0" encoding="utf-8"?>
 <p:sld xmlns:a="http://schemas.openxmlformats.org/drawingml/2006/main" xmlns:r="http://schemas.openxmlformats.org/officeDocument/2006/relationships" xmlns:p="http://schemas.openxmlformats.org/presentationml/2006/main">
   <p:cSld>
@@ -6714,6 +6831,236 @@
             </a:r>
             <a:r>
               <a:rPr lang="en-US" dirty="0"/>
+              <a:t> case II – </a:t>
+            </a:r>
+            <a:r>
+              <a:rPr lang="en-US" b="1" dirty="0">
+                <a:solidFill>
+                  <a:srgbClr val="FF0000"/>
+                </a:solidFill>
+              </a:rPr>
+              <a:t>with</a:t>
+            </a:r>
+            <a:r>
+              <a:rPr lang="en-US" dirty="0"/>
+              <a:t> quality trimming</a:t>
+            </a:r>
+          </a:p>
+        </p:txBody>
+      </p:sp>
+      <p:sp>
+        <p:nvSpPr>
+          <p:cNvPr id="3" name="Content Placeholder 2"/>
+          <p:cNvSpPr>
+            <a:spLocks noGrp="1"/>
+          </p:cNvSpPr>
+          <p:nvPr>
+            <p:ph idx="1"/>
+          </p:nvPr>
+        </p:nvSpPr>
+        <p:spPr>
+          <a:xfrm>
+            <a:off x="457199" y="1467536"/>
+            <a:ext cx="8537865" cy="4175992"/>
+          </a:xfrm>
+        </p:spPr>
+        <p:txBody>
+          <a:bodyPr>
+            <a:noAutofit/>
+          </a:bodyPr>
+          <a:lstStyle/>
+          <a:p>
+            <a:pPr marL="0" indent="0">
+              <a:buNone/>
+            </a:pPr>
+            <a:r>
+              <a:rPr lang="en-US" dirty="0">
+                <a:latin typeface="Courier"/>
+                <a:cs typeface="Courier"/>
+              </a:rPr>
+              <a:t>java -jar $</a:t>
+            </a:r>
+            <a:r>
+              <a:rPr lang="en-US" dirty="0" err="1">
+                <a:latin typeface="Courier"/>
+                <a:cs typeface="Courier"/>
+              </a:rPr>
+              <a:t>trimJar</a:t>
+            </a:r>
+            <a:r>
+              <a:rPr lang="en-US" dirty="0">
+                <a:latin typeface="Courier"/>
+                <a:cs typeface="Courier"/>
+              </a:rPr>
+              <a:t> PE \</a:t>
+            </a:r>
+          </a:p>
+          <a:p>
+            <a:pPr marL="0" indent="0">
+              <a:buNone/>
+            </a:pPr>
+            <a:r>
+              <a:rPr lang="en-US" dirty="0">
+                <a:latin typeface="Courier"/>
+                <a:cs typeface="Courier"/>
+              </a:rPr>
+              <a:t>  MG1655.pair1.fq \</a:t>
+            </a:r>
+          </a:p>
+          <a:p>
+            <a:pPr marL="0" indent="0">
+              <a:buNone/>
+            </a:pPr>
+            <a:r>
+              <a:rPr lang="en-US" dirty="0">
+                <a:latin typeface="Courier"/>
+                <a:cs typeface="Courier"/>
+              </a:rPr>
+              <a:t>  MG1655.pair2.fq \</a:t>
+            </a:r>
+          </a:p>
+          <a:p>
+            <a:pPr marL="0" indent="0">
+              <a:buNone/>
+            </a:pPr>
+            <a:r>
+              <a:rPr lang="en-US" dirty="0">
+                <a:latin typeface="Courier"/>
+                <a:cs typeface="Courier"/>
+              </a:rPr>
+              <a:t>  MG1655.p1.fq MG1655.s1.fq \</a:t>
+            </a:r>
+          </a:p>
+          <a:p>
+            <a:pPr marL="0" indent="0">
+              <a:buNone/>
+            </a:pPr>
+            <a:r>
+              <a:rPr lang="en-US" dirty="0">
+                <a:latin typeface="Courier"/>
+                <a:cs typeface="Courier"/>
+              </a:rPr>
+              <a:t>  MG1655.p2.fq MG1655.s2.fq \</a:t>
+            </a:r>
+          </a:p>
+          <a:p>
+            <a:pPr marL="0" indent="0">
+              <a:buNone/>
+            </a:pPr>
+            <a:r>
+              <a:rPr lang="en-US" dirty="0">
+                <a:latin typeface="Courier"/>
+                <a:cs typeface="Courier"/>
+              </a:rPr>
+              <a:t>  ILLUMINACLIP:TruSeq3-PE.fa:3:20:10:1:true \</a:t>
+            </a:r>
+          </a:p>
+          <a:p>
+            <a:pPr marL="0" indent="0">
+              <a:buNone/>
+            </a:pPr>
+            <a:r>
+              <a:rPr lang="en-US" dirty="0">
+                <a:latin typeface="Courier"/>
+                <a:cs typeface="Courier"/>
+              </a:rPr>
+              <a:t>  LEADING:3 TRAILING:3 \</a:t>
+            </a:r>
+          </a:p>
+          <a:p>
+            <a:pPr marL="0" indent="0">
+              <a:buNone/>
+            </a:pPr>
+            <a:r>
+              <a:rPr lang="en-US" dirty="0">
+                <a:latin typeface="Courier"/>
+                <a:cs typeface="Courier"/>
+              </a:rPr>
+              <a:t>  SLIDINGWINDOW:4</a:t>
+            </a:r>
+            <a:r>
+              <a:rPr lang="en-US" b="1" dirty="0">
+                <a:solidFill>
+                  <a:srgbClr val="FF0000"/>
+                </a:solidFill>
+                <a:latin typeface="Courier"/>
+                <a:cs typeface="Courier"/>
+              </a:rPr>
+              <a:t>:13 </a:t>
+            </a:r>
+            <a:r>
+              <a:rPr lang="en-US" dirty="0">
+                <a:latin typeface="Courier"/>
+                <a:cs typeface="Courier"/>
+              </a:rPr>
+              <a:t>\</a:t>
+            </a:r>
+          </a:p>
+          <a:p>
+            <a:pPr marL="0" indent="0">
+              <a:buNone/>
+            </a:pPr>
+            <a:r>
+              <a:rPr lang="en-US" dirty="0">
+                <a:latin typeface="Courier"/>
+                <a:cs typeface="Courier"/>
+              </a:rPr>
+              <a:t>  MINLEN:0</a:t>
+            </a:r>
+          </a:p>
+        </p:txBody>
+      </p:sp>
+    </p:spTree>
+    <p:extLst>
+      <p:ext uri="{BB962C8B-B14F-4D97-AF65-F5344CB8AC3E}">
+        <p14:creationId xmlns:p14="http://schemas.microsoft.com/office/powerpoint/2010/main" val="1002351132"/>
+      </p:ext>
+    </p:extLst>
+  </p:cSld>
+  <p:clrMapOvr>
+    <a:masterClrMapping/>
+  </p:clrMapOvr>
+</p:sld>
+</file>
+
+<file path=ppt/slides/slide21.xml><?xml version="1.0" encoding="utf-8"?>
+<p:sld xmlns:a="http://schemas.openxmlformats.org/drawingml/2006/main" xmlns:r="http://schemas.openxmlformats.org/officeDocument/2006/relationships" xmlns:p="http://schemas.openxmlformats.org/presentationml/2006/main">
+  <p:cSld>
+    <p:spTree>
+      <p:nvGrpSpPr>
+        <p:cNvPr id="1" name=""/>
+        <p:cNvGrpSpPr/>
+        <p:nvPr/>
+      </p:nvGrpSpPr>
+      <p:grpSpPr>
+        <a:xfrm>
+          <a:off x="0" y="0"/>
+          <a:ext cx="0" cy="0"/>
+          <a:chOff x="0" y="0"/>
+          <a:chExt cx="0" cy="0"/>
+        </a:xfrm>
+      </p:grpSpPr>
+      <p:sp>
+        <p:nvSpPr>
+          <p:cNvPr id="2" name="Title 1"/>
+          <p:cNvSpPr>
+            <a:spLocks noGrp="1"/>
+          </p:cNvSpPr>
+          <p:nvPr>
+            <p:ph type="title"/>
+          </p:nvPr>
+        </p:nvSpPr>
+        <p:spPr/>
+        <p:txBody>
+          <a:bodyPr/>
+          <a:lstStyle/>
+          <a:p>
+            <a:r>
+              <a:rPr lang="en-US" dirty="0" err="1"/>
+              <a:t>Trimmomatic</a:t>
+            </a:r>
+            <a:r>
+              <a:rPr lang="en-US" dirty="0"/>
               <a:t> case II outputs</a:t>
             </a:r>
           </a:p>
@@ -7586,7 +7933,13 @@
       </p:grpSpPr>
       <p:sp>
         <p:nvSpPr>
-          <p:cNvPr id="2" name="Title 1"/>
+          <p:cNvPr id="2" name="Title 1">
+            <a:extLst>
+              <a:ext uri="{FF2B5EF4-FFF2-40B4-BE49-F238E27FC236}">
+                <a16:creationId xmlns:a16="http://schemas.microsoft.com/office/drawing/2014/main" id="{9A06EC1E-5C72-9044-8CB9-BD2FD358DE3E}"/>
+              </a:ext>
+            </a:extLst>
+          </p:cNvPr>
           <p:cNvSpPr>
             <a:spLocks noGrp="1"/>
           </p:cNvSpPr>
@@ -7600,79 +7953,47 @@
           <a:lstStyle/>
           <a:p>
             <a:r>
-              <a:rPr lang="en-US" dirty="0"/>
-              <a:t>Problem</a:t>
-            </a:r>
-          </a:p>
-        </p:txBody>
-      </p:sp>
-      <p:sp>
-        <p:nvSpPr>
-          <p:cNvPr id="3" name="Content Placeholder 2"/>
-          <p:cNvSpPr>
-            <a:spLocks noGrp="1"/>
-          </p:cNvSpPr>
-          <p:nvPr>
-            <p:ph idx="1"/>
-          </p:nvPr>
-        </p:nvSpPr>
+              <a:rPr lang="en-US"/>
+              <a:t>Ondemand.beocat.ksu.edu</a:t>
+            </a:r>
+            <a:endParaRPr lang="en-US" dirty="0"/>
+          </a:p>
+        </p:txBody>
+      </p:sp>
+      <p:pic>
+        <p:nvPicPr>
+          <p:cNvPr id="6" name="Picture 5">
+            <a:extLst>
+              <a:ext uri="{FF2B5EF4-FFF2-40B4-BE49-F238E27FC236}">
+                <a16:creationId xmlns:a16="http://schemas.microsoft.com/office/drawing/2014/main" id="{5E78E917-86B4-E042-96F5-674DE9E2F521}"/>
+              </a:ext>
+            </a:extLst>
+          </p:cNvPr>
+          <p:cNvPicPr>
+            <a:picLocks noChangeAspect="1"/>
+          </p:cNvPicPr>
+          <p:nvPr/>
+        </p:nvPicPr>
+        <p:blipFill>
+          <a:blip r:embed="rId2"/>
+          <a:stretch>
+            <a:fillRect/>
+          </a:stretch>
+        </p:blipFill>
         <p:spPr>
           <a:xfrm>
-            <a:off x="457200" y="1384876"/>
-            <a:ext cx="8229600" cy="2425488"/>
+            <a:off x="378618" y="2030418"/>
+            <a:ext cx="8179594" cy="1824777"/>
           </a:xfrm>
+          <a:prstGeom prst="rect">
+            <a:avLst/>
+          </a:prstGeom>
         </p:spPr>
-        <p:txBody>
-          <a:bodyPr>
-            <a:normAutofit/>
-          </a:bodyPr>
-          <a:lstStyle/>
-          <a:p>
-            <a:r>
-              <a:rPr lang="en-US" sz="2800" dirty="0"/>
-              <a:t>Copy </a:t>
-            </a:r>
-            <a:r>
-              <a:rPr lang="en-US" sz="2800" dirty="0">
-                <a:solidFill>
-                  <a:srgbClr val="0000FF"/>
-                </a:solidFill>
-              </a:rPr>
-              <a:t>DH10B.pair1.fq_fastqc.html</a:t>
-            </a:r>
-            <a:r>
-              <a:rPr lang="en-US" sz="2800" dirty="0"/>
-              <a:t> from </a:t>
-            </a:r>
-            <a:r>
-              <a:rPr lang="en-US" sz="2800" dirty="0" err="1"/>
-              <a:t>Beocat</a:t>
-            </a:r>
-            <a:r>
-              <a:rPr lang="en-US" sz="2800" dirty="0"/>
-              <a:t> to your local computer using </a:t>
-            </a:r>
-            <a:r>
-              <a:rPr lang="en-US" sz="2800" dirty="0" err="1"/>
-              <a:t>Cyberduck</a:t>
-            </a:r>
-            <a:endParaRPr lang="en-US" sz="2800" dirty="0"/>
-          </a:p>
-          <a:p>
-            <a:endParaRPr lang="en-US" sz="2800" dirty="0"/>
-          </a:p>
-          <a:p>
-            <a:r>
-              <a:rPr lang="en-US" sz="2800" dirty="0"/>
-              <a:t>Open the file in your browser</a:t>
-            </a:r>
-          </a:p>
-        </p:txBody>
-      </p:sp>
+      </p:pic>
     </p:spTree>
     <p:extLst>
       <p:ext uri="{BB962C8B-B14F-4D97-AF65-F5344CB8AC3E}">
-        <p14:creationId xmlns:p14="http://schemas.microsoft.com/office/powerpoint/2010/main" val="1276233018"/>
+        <p14:creationId xmlns:p14="http://schemas.microsoft.com/office/powerpoint/2010/main" val="3315421258"/>
       </p:ext>
     </p:extLst>
   </p:cSld>
@@ -7716,7 +8037,7 @@
           <a:p>
             <a:r>
               <a:rPr lang="en-US" dirty="0"/>
-              <a:t>Add a path to your PATH</a:t>
+              <a:t>Problem</a:t>
             </a:r>
           </a:p>
         </p:txBody>
@@ -7733,8 +8054,8 @@
         </p:nvSpPr>
         <p:spPr>
           <a:xfrm>
-            <a:off x="882480" y="1609857"/>
-            <a:ext cx="7804320" cy="3746769"/>
+            <a:off x="457200" y="1384876"/>
+            <a:ext cx="8229600" cy="2425488"/>
           </a:xfrm>
         </p:spPr>
         <p:txBody>
@@ -7743,78 +8064,54 @@
           </a:bodyPr>
           <a:lstStyle/>
           <a:p>
-            <a:pPr marL="0" indent="0">
-              <a:buNone/>
-            </a:pPr>
             <a:r>
               <a:rPr lang="en-US" sz="2800" dirty="0"/>
-              <a:t>vi ~/.</a:t>
+              <a:t>Copy </a:t>
+            </a:r>
+            <a:r>
+              <a:rPr lang="en-US" sz="2800" dirty="0">
+                <a:solidFill>
+                  <a:srgbClr val="0000FF"/>
+                </a:solidFill>
+              </a:rPr>
+              <a:t>DH10B.pair1.fq_fastqc.html</a:t>
+            </a:r>
+            <a:r>
+              <a:rPr lang="en-US" sz="2800" dirty="0"/>
+              <a:t> from </a:t>
             </a:r>
             <a:r>
               <a:rPr lang="en-US" sz="2800" dirty="0" err="1"/>
-              <a:t>bashrc</a:t>
-            </a:r>
+              <a:t>Beocat</a:t>
+            </a:r>
+            <a:r>
+              <a:rPr lang="en-US" sz="2800" dirty="0"/>
+              <a:t> to your local computer using </a:t>
+            </a:r>
+            <a:r>
+              <a:rPr lang="en-US" sz="2800" dirty="0" err="1"/>
+              <a:t>Cyberduck</a:t>
+            </a:r>
+            <a:r>
+              <a:rPr lang="en-US" sz="2800" dirty="0"/>
+              <a:t> or other tools</a:t>
+            </a:r>
+          </a:p>
+          <a:p>
             <a:endParaRPr lang="en-US" sz="2800" dirty="0"/>
           </a:p>
           <a:p>
-            <a:pPr marL="0" indent="0">
-              <a:buNone/>
-            </a:pPr>
-            <a:endParaRPr lang="en-US" sz="2800" dirty="0"/>
-          </a:p>
-          <a:p>
-            <a:pPr marL="0" indent="0">
-              <a:buNone/>
-            </a:pPr>
             <a:r>
               <a:rPr lang="en-US" sz="2800" dirty="0"/>
-              <a:t># add the path:</a:t>
-            </a:r>
-          </a:p>
-          <a:p>
-            <a:pPr marL="0" indent="0">
-              <a:buNone/>
-            </a:pPr>
-            <a:r>
-              <a:rPr lang="en-US" sz="2800" dirty="0"/>
-              <a:t>PATH=$PATH:/homes/liu3zhen/local/bin:</a:t>
-            </a:r>
-          </a:p>
-          <a:p>
-            <a:pPr marL="0" indent="0">
-              <a:buNone/>
-            </a:pPr>
-            <a:endParaRPr lang="en-US" sz="2800" dirty="0"/>
-          </a:p>
-          <a:p>
-            <a:pPr marL="0" indent="0">
-              <a:buNone/>
-            </a:pPr>
-            <a:r>
-              <a:rPr lang="en-US" sz="2800" dirty="0"/>
-              <a:t># run</a:t>
-            </a:r>
-          </a:p>
-          <a:p>
-            <a:pPr marL="0" indent="0">
-              <a:buNone/>
-            </a:pPr>
-            <a:r>
-              <a:rPr lang="en-US" sz="2800" dirty="0"/>
-              <a:t>source ~/.</a:t>
-            </a:r>
-            <a:r>
-              <a:rPr lang="en-US" sz="2800" dirty="0" err="1"/>
-              <a:t>bashrc</a:t>
-            </a:r>
-            <a:endParaRPr lang="en-US" sz="2800" dirty="0"/>
+              <a:t>Open the file in your browser</a:t>
+            </a:r>
           </a:p>
         </p:txBody>
       </p:sp>
     </p:spTree>
     <p:extLst>
       <p:ext uri="{BB962C8B-B14F-4D97-AF65-F5344CB8AC3E}">
-        <p14:creationId xmlns:p14="http://schemas.microsoft.com/office/powerpoint/2010/main" val="1964613416"/>
+        <p14:creationId xmlns:p14="http://schemas.microsoft.com/office/powerpoint/2010/main" val="1276233018"/>
       </p:ext>
     </p:extLst>
   </p:cSld>
@@ -7857,10 +8154,9 @@
           <a:lstStyle/>
           <a:p>
             <a:r>
-              <a:rPr lang="en-US" dirty="0" err="1"/>
-              <a:t>seqtk</a:t>
-            </a:r>
-            <a:endParaRPr lang="en-US" dirty="0"/>
+              <a:rPr lang="en-US" dirty="0"/>
+              <a:t>Add a path to your PATH</a:t>
+            </a:r>
           </a:p>
         </p:txBody>
       </p:sp>
@@ -7876,8 +8172,8 @@
         </p:nvSpPr>
         <p:spPr>
           <a:xfrm>
-            <a:off x="457200" y="2615076"/>
-            <a:ext cx="8229600" cy="3257113"/>
+            <a:off x="882480" y="1609857"/>
+            <a:ext cx="7804320" cy="3746769"/>
           </a:xfrm>
         </p:spPr>
         <p:txBody>
@@ -7890,277 +8186,74 @@
               <a:buNone/>
             </a:pPr>
             <a:r>
-              <a:rPr lang="en-US" dirty="0"/>
-              <a:t># list of modules</a:t>
-            </a:r>
-          </a:p>
-          <a:p>
-            <a:pPr marL="0" indent="0">
-              <a:buNone/>
-            </a:pPr>
-            <a:r>
-              <a:rPr lang="en-US" dirty="0">
-                <a:solidFill>
-                  <a:schemeClr val="bg1">
-                    <a:lumMod val="75000"/>
-                  </a:schemeClr>
-                </a:solidFill>
-                <a:latin typeface="Courier"/>
-                <a:cs typeface="Courier"/>
-              </a:rPr>
-              <a:t>/homes/liu3zhen/local/bin/</a:t>
-            </a:r>
-            <a:r>
-              <a:rPr lang="en-US" dirty="0" err="1">
-                <a:latin typeface="Courier"/>
-                <a:cs typeface="Courier"/>
-              </a:rPr>
-              <a:t>seqtk</a:t>
-            </a:r>
-            <a:endParaRPr lang="en-US" dirty="0">
-              <a:latin typeface="Courier"/>
-              <a:cs typeface="Courier"/>
-            </a:endParaRPr>
-          </a:p>
-          <a:p>
-            <a:pPr marL="0" indent="0">
-              <a:buNone/>
-            </a:pPr>
-            <a:endParaRPr lang="en-US" dirty="0"/>
-          </a:p>
-          <a:p>
-            <a:pPr marL="0" indent="0">
-              <a:buNone/>
-            </a:pPr>
-            <a:r>
-              <a:rPr lang="en-US" dirty="0"/>
-              <a:t># detail for each module</a:t>
-            </a:r>
-          </a:p>
-          <a:p>
-            <a:pPr marL="0" indent="0">
-              <a:buNone/>
-            </a:pPr>
-            <a:r>
-              <a:rPr lang="en-US" dirty="0">
-                <a:solidFill>
-                  <a:srgbClr val="BFBFBF"/>
-                </a:solidFill>
-                <a:latin typeface="Courier"/>
-                <a:cs typeface="Courier"/>
-              </a:rPr>
-              <a:t>/homes/liu3zhen/local/bin/</a:t>
-            </a:r>
-            <a:r>
-              <a:rPr lang="en-US" dirty="0" err="1">
-                <a:latin typeface="Courier"/>
-                <a:cs typeface="Courier"/>
-              </a:rPr>
-              <a:t>seqtk</a:t>
-            </a:r>
-            <a:r>
-              <a:rPr lang="en-US" dirty="0">
-                <a:latin typeface="Courier"/>
-                <a:cs typeface="Courier"/>
-              </a:rPr>
-              <a:t> </a:t>
-            </a:r>
-            <a:r>
-              <a:rPr lang="en-US" dirty="0" err="1">
-                <a:latin typeface="Courier"/>
-                <a:cs typeface="Courier"/>
-              </a:rPr>
-              <a:t>seq</a:t>
-            </a:r>
-            <a:endParaRPr lang="en-US" dirty="0">
-              <a:latin typeface="Courier"/>
-              <a:cs typeface="Courier"/>
-            </a:endParaRPr>
-          </a:p>
-        </p:txBody>
-      </p:sp>
-      <p:sp>
-        <p:nvSpPr>
-          <p:cNvPr id="5" name="Content Placeholder 2"/>
-          <p:cNvSpPr txBox="1">
-            <a:spLocks/>
-          </p:cNvSpPr>
-          <p:nvPr/>
-        </p:nvSpPr>
-        <p:spPr>
-          <a:xfrm>
-            <a:off x="277805" y="1337468"/>
-            <a:ext cx="8641719" cy="533997"/>
-          </a:xfrm>
-          <a:prstGeom prst="rect">
-            <a:avLst/>
-          </a:prstGeom>
-        </p:spPr>
-        <p:txBody>
-          <a:bodyPr vert="horz" lIns="91440" tIns="45720" rIns="91440" bIns="45720" rtlCol="0">
-            <a:normAutofit/>
-          </a:bodyPr>
-          <a:lstStyle>
-            <a:lvl1pPr marL="342900" indent="-342900" algn="l" defTabSz="457200" rtl="0" eaLnBrk="1" latinLnBrk="0" hangingPunct="1">
-              <a:spcBef>
-                <a:spcPct val="20000"/>
-              </a:spcBef>
-              <a:buFont typeface="Arial"/>
-              <a:buChar char="•"/>
-              <a:defRPr sz="2400" kern="1200">
-                <a:solidFill>
-                  <a:schemeClr val="tx1"/>
-                </a:solidFill>
-                <a:latin typeface="+mn-lt"/>
-                <a:ea typeface="+mn-ea"/>
-                <a:cs typeface="+mn-cs"/>
-              </a:defRPr>
-            </a:lvl1pPr>
-            <a:lvl2pPr marL="742950" indent="-285750" algn="l" defTabSz="457200" rtl="0" eaLnBrk="1" latinLnBrk="0" hangingPunct="1">
-              <a:spcBef>
-                <a:spcPct val="20000"/>
-              </a:spcBef>
-              <a:buFont typeface="Arial"/>
-              <a:buChar char="–"/>
-              <a:defRPr sz="2400" kern="1200">
-                <a:solidFill>
-                  <a:schemeClr val="tx1"/>
-                </a:solidFill>
-                <a:latin typeface="+mn-lt"/>
-                <a:ea typeface="+mn-ea"/>
-                <a:cs typeface="+mn-cs"/>
-              </a:defRPr>
-            </a:lvl2pPr>
-            <a:lvl3pPr marL="1143000" indent="-228600" algn="l" defTabSz="457200" rtl="0" eaLnBrk="1" latinLnBrk="0" hangingPunct="1">
-              <a:spcBef>
-                <a:spcPct val="20000"/>
-              </a:spcBef>
-              <a:buFont typeface="Arial"/>
-              <a:buChar char="•"/>
-              <a:defRPr sz="2400" kern="1200">
-                <a:solidFill>
-                  <a:schemeClr val="tx1"/>
-                </a:solidFill>
-                <a:latin typeface="+mn-lt"/>
-                <a:ea typeface="+mn-ea"/>
-                <a:cs typeface="+mn-cs"/>
-              </a:defRPr>
-            </a:lvl3pPr>
-            <a:lvl4pPr marL="1600200" indent="-228600" algn="l" defTabSz="457200" rtl="0" eaLnBrk="1" latinLnBrk="0" hangingPunct="1">
-              <a:spcBef>
-                <a:spcPct val="20000"/>
-              </a:spcBef>
-              <a:buFont typeface="Arial"/>
-              <a:buChar char="–"/>
-              <a:defRPr sz="2400" kern="1200">
-                <a:solidFill>
-                  <a:schemeClr val="tx1"/>
-                </a:solidFill>
-                <a:latin typeface="+mn-lt"/>
-                <a:ea typeface="+mn-ea"/>
-                <a:cs typeface="+mn-cs"/>
-              </a:defRPr>
-            </a:lvl4pPr>
-            <a:lvl5pPr marL="2057400" indent="-228600" algn="l" defTabSz="457200" rtl="0" eaLnBrk="1" latinLnBrk="0" hangingPunct="1">
-              <a:spcBef>
-                <a:spcPct val="20000"/>
-              </a:spcBef>
-              <a:buFont typeface="Arial"/>
-              <a:buChar char="»"/>
-              <a:defRPr sz="2400" kern="1200">
-                <a:solidFill>
-                  <a:schemeClr val="tx1"/>
-                </a:solidFill>
-                <a:latin typeface="+mn-lt"/>
-                <a:ea typeface="+mn-ea"/>
-                <a:cs typeface="+mn-cs"/>
-              </a:defRPr>
-            </a:lvl5pPr>
-            <a:lvl6pPr marL="2514600" indent="-228600" algn="l" defTabSz="457200" rtl="0" eaLnBrk="1" latinLnBrk="0" hangingPunct="1">
-              <a:spcBef>
-                <a:spcPct val="20000"/>
-              </a:spcBef>
-              <a:buFont typeface="Arial"/>
-              <a:buChar char="•"/>
-              <a:defRPr sz="2000" kern="1200">
-                <a:solidFill>
-                  <a:schemeClr val="tx1"/>
-                </a:solidFill>
-                <a:latin typeface="+mn-lt"/>
-                <a:ea typeface="+mn-ea"/>
-                <a:cs typeface="+mn-cs"/>
-              </a:defRPr>
-            </a:lvl6pPr>
-            <a:lvl7pPr marL="2971800" indent="-228600" algn="l" defTabSz="457200" rtl="0" eaLnBrk="1" latinLnBrk="0" hangingPunct="1">
-              <a:spcBef>
-                <a:spcPct val="20000"/>
-              </a:spcBef>
-              <a:buFont typeface="Arial"/>
-              <a:buChar char="•"/>
-              <a:defRPr sz="2000" kern="1200">
-                <a:solidFill>
-                  <a:schemeClr val="tx1"/>
-                </a:solidFill>
-                <a:latin typeface="+mn-lt"/>
-                <a:ea typeface="+mn-ea"/>
-                <a:cs typeface="+mn-cs"/>
-              </a:defRPr>
-            </a:lvl7pPr>
-            <a:lvl8pPr marL="3429000" indent="-228600" algn="l" defTabSz="457200" rtl="0" eaLnBrk="1" latinLnBrk="0" hangingPunct="1">
-              <a:spcBef>
-                <a:spcPct val="20000"/>
-              </a:spcBef>
-              <a:buFont typeface="Arial"/>
-              <a:buChar char="•"/>
-              <a:defRPr sz="2000" kern="1200">
-                <a:solidFill>
-                  <a:schemeClr val="tx1"/>
-                </a:solidFill>
-                <a:latin typeface="+mn-lt"/>
-                <a:ea typeface="+mn-ea"/>
-                <a:cs typeface="+mn-cs"/>
-              </a:defRPr>
-            </a:lvl8pPr>
-            <a:lvl9pPr marL="3886200" indent="-228600" algn="l" defTabSz="457200" rtl="0" eaLnBrk="1" latinLnBrk="0" hangingPunct="1">
-              <a:spcBef>
-                <a:spcPct val="20000"/>
-              </a:spcBef>
-              <a:buFont typeface="Arial"/>
-              <a:buChar char="•"/>
-              <a:defRPr sz="2000" kern="1200">
-                <a:solidFill>
-                  <a:schemeClr val="tx1"/>
-                </a:solidFill>
-                <a:latin typeface="+mn-lt"/>
-                <a:ea typeface="+mn-ea"/>
-                <a:cs typeface="+mn-cs"/>
-              </a:defRPr>
-            </a:lvl9pPr>
-          </a:lstStyle>
-          <a:p>
-            <a:pPr marL="0" indent="0">
-              <a:buFont typeface="Arial"/>
-              <a:buNone/>
-            </a:pPr>
-            <a:r>
-              <a:rPr lang="en-US" b="1" dirty="0" err="1">
-                <a:solidFill>
-                  <a:srgbClr val="17375E"/>
-                </a:solidFill>
-              </a:rPr>
-              <a:t>seqtk</a:t>
-            </a:r>
-            <a:r>
-              <a:rPr lang="en-US" dirty="0"/>
-              <a:t> is a fast tool for processing sequences in the FASTA/Q format.</a:t>
-            </a:r>
+              <a:rPr lang="en-US" sz="2800" dirty="0"/>
+              <a:t>vi ~/.</a:t>
+            </a:r>
+            <a:r>
+              <a:rPr lang="en-US" sz="2800" dirty="0" err="1"/>
+              <a:t>bashrc</a:t>
+            </a:r>
+            <a:endParaRPr lang="en-US" sz="2800" dirty="0"/>
+          </a:p>
+          <a:p>
+            <a:pPr marL="0" indent="0">
+              <a:buNone/>
+            </a:pPr>
+            <a:endParaRPr lang="en-US" sz="2800" dirty="0"/>
+          </a:p>
+          <a:p>
+            <a:pPr marL="0" indent="0">
+              <a:buNone/>
+            </a:pPr>
+            <a:r>
+              <a:rPr lang="en-US" sz="2800" dirty="0"/>
+              <a:t># add the path:</a:t>
+            </a:r>
+          </a:p>
+          <a:p>
+            <a:pPr marL="0" indent="0">
+              <a:buNone/>
+            </a:pPr>
+            <a:r>
+              <a:rPr lang="en-US" sz="2800" dirty="0"/>
+              <a:t>PATH=$PATH:/homes/liu3zhen/local/bin:</a:t>
+            </a:r>
+          </a:p>
+          <a:p>
+            <a:pPr marL="0" indent="0">
+              <a:buNone/>
+            </a:pPr>
+            <a:endParaRPr lang="en-US" sz="2800" dirty="0"/>
+          </a:p>
+          <a:p>
+            <a:pPr marL="0" indent="0">
+              <a:buNone/>
+            </a:pPr>
+            <a:r>
+              <a:rPr lang="en-US" sz="2800" dirty="0"/>
+              <a:t># run</a:t>
+            </a:r>
+          </a:p>
+          <a:p>
+            <a:pPr marL="0" indent="0">
+              <a:buNone/>
+            </a:pPr>
+            <a:r>
+              <a:rPr lang="en-US" sz="2800" dirty="0"/>
+              <a:t>source ~/.</a:t>
+            </a:r>
+            <a:r>
+              <a:rPr lang="en-US" sz="2800" dirty="0" err="1"/>
+              <a:t>bashrc</a:t>
+            </a:r>
+            <a:endParaRPr lang="en-US" sz="2800" dirty="0"/>
           </a:p>
         </p:txBody>
       </p:sp>
     </p:spTree>
     <p:extLst>
       <p:ext uri="{BB962C8B-B14F-4D97-AF65-F5344CB8AC3E}">
-        <p14:creationId xmlns:p14="http://schemas.microsoft.com/office/powerpoint/2010/main" val="1227912064"/>
+        <p14:creationId xmlns:p14="http://schemas.microsoft.com/office/powerpoint/2010/main" val="1964613416"/>
       </p:ext>
     </p:extLst>
   </p:cSld>

--- a/PLPTH813Bioinformatis/2021/labs/lab04_NGS.pptx
+++ b/PLPTH813Bioinformatis/2021/labs/lab04_NGS.pptx
@@ -228,7 +228,7 @@
           <a:p>
             <a:fld id="{08E6E0A8-E17C-C949-B17E-7A1A6494483A}" type="datetimeFigureOut">
               <a:rPr lang="en-US" smtClean="0"/>
-              <a:t>3/3/21</a:t>
+              <a:t>3/4/21</a:t>
             </a:fld>
             <a:endParaRPr lang="en-US"/>
           </a:p>
@@ -674,7 +674,7 @@
           <a:p>
             <a:fld id="{42B8B0BE-C8D7-EB48-AD68-71DB5002F24B}" type="datetimeFigureOut">
               <a:rPr lang="en-US" smtClean="0"/>
-              <a:t>3/3/21</a:t>
+              <a:t>3/4/21</a:t>
             </a:fld>
             <a:endParaRPr lang="en-US"/>
           </a:p>
@@ -842,7 +842,7 @@
           <a:p>
             <a:fld id="{42B8B0BE-C8D7-EB48-AD68-71DB5002F24B}" type="datetimeFigureOut">
               <a:rPr lang="en-US" smtClean="0"/>
-              <a:t>3/3/21</a:t>
+              <a:t>3/4/21</a:t>
             </a:fld>
             <a:endParaRPr lang="en-US"/>
           </a:p>
@@ -1020,7 +1020,7 @@
           <a:p>
             <a:fld id="{42B8B0BE-C8D7-EB48-AD68-71DB5002F24B}" type="datetimeFigureOut">
               <a:rPr lang="en-US" smtClean="0"/>
-              <a:t>3/3/21</a:t>
+              <a:t>3/4/21</a:t>
             </a:fld>
             <a:endParaRPr lang="en-US"/>
           </a:p>
@@ -1188,7 +1188,7 @@
           <a:p>
             <a:fld id="{42B8B0BE-C8D7-EB48-AD68-71DB5002F24B}" type="datetimeFigureOut">
               <a:rPr lang="en-US" smtClean="0"/>
-              <a:t>3/3/21</a:t>
+              <a:t>3/4/21</a:t>
             </a:fld>
             <a:endParaRPr lang="en-US"/>
           </a:p>
@@ -1433,7 +1433,7 @@
           <a:p>
             <a:fld id="{42B8B0BE-C8D7-EB48-AD68-71DB5002F24B}" type="datetimeFigureOut">
               <a:rPr lang="en-US" smtClean="0"/>
-              <a:t>3/3/21</a:t>
+              <a:t>3/4/21</a:t>
             </a:fld>
             <a:endParaRPr lang="en-US"/>
           </a:p>
@@ -1718,7 +1718,7 @@
           <a:p>
             <a:fld id="{42B8B0BE-C8D7-EB48-AD68-71DB5002F24B}" type="datetimeFigureOut">
               <a:rPr lang="en-US" smtClean="0"/>
-              <a:t>3/3/21</a:t>
+              <a:t>3/4/21</a:t>
             </a:fld>
             <a:endParaRPr lang="en-US"/>
           </a:p>
@@ -2137,7 +2137,7 @@
           <a:p>
             <a:fld id="{42B8B0BE-C8D7-EB48-AD68-71DB5002F24B}" type="datetimeFigureOut">
               <a:rPr lang="en-US" smtClean="0"/>
-              <a:t>3/3/21</a:t>
+              <a:t>3/4/21</a:t>
             </a:fld>
             <a:endParaRPr lang="en-US"/>
           </a:p>
@@ -2254,7 +2254,7 @@
           <a:p>
             <a:fld id="{42B8B0BE-C8D7-EB48-AD68-71DB5002F24B}" type="datetimeFigureOut">
               <a:rPr lang="en-US" smtClean="0"/>
-              <a:t>3/3/21</a:t>
+              <a:t>3/4/21</a:t>
             </a:fld>
             <a:endParaRPr lang="en-US"/>
           </a:p>
@@ -2349,7 +2349,7 @@
           <a:p>
             <a:fld id="{42B8B0BE-C8D7-EB48-AD68-71DB5002F24B}" type="datetimeFigureOut">
               <a:rPr lang="en-US" smtClean="0"/>
-              <a:t>3/3/21</a:t>
+              <a:t>3/4/21</a:t>
             </a:fld>
             <a:endParaRPr lang="en-US"/>
           </a:p>
@@ -2624,7 +2624,7 @@
           <a:p>
             <a:fld id="{42B8B0BE-C8D7-EB48-AD68-71DB5002F24B}" type="datetimeFigureOut">
               <a:rPr lang="en-US" smtClean="0"/>
-              <a:t>3/3/21</a:t>
+              <a:t>3/4/21</a:t>
             </a:fld>
             <a:endParaRPr lang="en-US"/>
           </a:p>
@@ -2876,7 +2876,7 @@
           <a:p>
             <a:fld id="{42B8B0BE-C8D7-EB48-AD68-71DB5002F24B}" type="datetimeFigureOut">
               <a:rPr lang="en-US" smtClean="0"/>
-              <a:t>3/3/21</a:t>
+              <a:t>3/4/21</a:t>
             </a:fld>
             <a:endParaRPr lang="en-US"/>
           </a:p>
@@ -3087,7 +3087,7 @@
           <a:p>
             <a:fld id="{42B8B0BE-C8D7-EB48-AD68-71DB5002F24B}" type="datetimeFigureOut">
               <a:rPr lang="en-US" smtClean="0"/>
-              <a:t>3/3/21</a:t>
+              <a:t>3/4/21</a:t>
             </a:fld>
             <a:endParaRPr lang="en-US"/>
           </a:p>
@@ -4004,7 +4004,7 @@
                 <a:latin typeface="Courier"/>
                 <a:cs typeface="Courier"/>
               </a:rPr>
-              <a:t> sample DH10B.pair1.fq 10 &gt; </a:t>
+              <a:t> sample DH10B.pair1.fq 3 &gt; </a:t>
             </a:r>
             <a:r>
               <a:rPr lang="en-US" sz="2000" dirty="0" err="1">
@@ -4540,28 +4540,28 @@
               <a:buNone/>
             </a:pPr>
             <a:r>
-              <a:rPr lang="en-US" sz="2000" dirty="0" err="1">
+              <a:rPr lang="en-US" sz="2000" strike="sngStrike" dirty="0" err="1">
                 <a:latin typeface="Courier"/>
                 <a:cs typeface="Courier"/>
               </a:rPr>
               <a:t>seqtk</a:t>
             </a:r>
             <a:r>
-              <a:rPr lang="en-US" sz="2000" dirty="0">
+              <a:rPr lang="en-US" sz="2000" strike="sngStrike" dirty="0">
                 <a:latin typeface="Courier"/>
                 <a:cs typeface="Courier"/>
               </a:rPr>
               <a:t> </a:t>
             </a:r>
             <a:r>
-              <a:rPr lang="en-US" sz="2000" dirty="0" err="1">
+              <a:rPr lang="en-US" sz="2000" strike="sngStrike" dirty="0" err="1">
                 <a:latin typeface="Courier"/>
                 <a:cs typeface="Courier"/>
               </a:rPr>
               <a:t>mergepe</a:t>
             </a:r>
             <a:r>
-              <a:rPr lang="en-US" sz="2000" dirty="0">
+              <a:rPr lang="en-US" sz="2000" strike="sngStrike" dirty="0">
                 <a:latin typeface="Courier"/>
                 <a:cs typeface="Courier"/>
               </a:rPr>
@@ -5457,7 +5457,7 @@
                 <a:latin typeface="Courier"/>
                 <a:cs typeface="Courier"/>
               </a:rPr>
-              <a:t>module load Java/1.8.0_192</a:t>
+              <a:t>module load Java</a:t>
             </a:r>
           </a:p>
           <a:p>
@@ -7216,7 +7216,7 @@
         </p:nvSpPr>
         <p:spPr>
           <a:xfrm>
-            <a:off x="1007533" y="2144889"/>
+            <a:off x="1182793" y="2175098"/>
             <a:ext cx="7416800" cy="1253902"/>
           </a:xfrm>
         </p:spPr>
@@ -7646,39 +7646,82 @@
               <a:buNone/>
             </a:pPr>
             <a:r>
+              <a:rPr lang="en-US" sz="2000" dirty="0">
+                <a:latin typeface="Courier"/>
+                <a:cs typeface="Courier"/>
+              </a:rPr>
+              <a:t>module load Java</a:t>
+            </a:r>
+          </a:p>
+          <a:p>
+            <a:pPr marL="0" indent="0">
+              <a:buNone/>
+            </a:pPr>
+            <a:r>
               <a:rPr lang="en-US" sz="1600" dirty="0">
+                <a:highlight>
+                  <a:srgbClr val="FFFF00"/>
+                </a:highlight>
                 <a:latin typeface="Courier"/>
                 <a:cs typeface="Courier"/>
               </a:rPr>
               <a:t>/homes/liu3zhen</a:t>
             </a:r>
             <a:r>
-              <a:rPr lang="en-US" sz="1600" dirty="0"/>
+              <a:rPr lang="en-US" sz="1600" dirty="0">
+                <a:highlight>
+                  <a:srgbClr val="FFFF00"/>
+                </a:highlight>
+              </a:rPr>
               <a:t>/software/</a:t>
             </a:r>
             <a:r>
-              <a:rPr lang="en-US" sz="1600" dirty="0" err="1"/>
+              <a:rPr lang="en-US" sz="1600" dirty="0" err="1">
+                <a:highlight>
+                  <a:srgbClr val="FFFF00"/>
+                </a:highlight>
+              </a:rPr>
               <a:t>fastqc</a:t>
             </a:r>
             <a:r>
-              <a:rPr lang="en-US" sz="1600" dirty="0"/>
+              <a:rPr lang="en-US" sz="1600" dirty="0">
+                <a:highlight>
+                  <a:srgbClr val="FFFF00"/>
+                </a:highlight>
+              </a:rPr>
               <a:t>/</a:t>
             </a:r>
             <a:r>
-              <a:rPr lang="en-US" sz="1600" dirty="0" err="1"/>
+              <a:rPr lang="en-US" sz="1600" dirty="0" err="1">
+                <a:highlight>
+                  <a:srgbClr val="FFFF00"/>
+                </a:highlight>
+              </a:rPr>
               <a:t>FastQC</a:t>
             </a:r>
             <a:r>
-              <a:rPr lang="en-US" sz="1600" dirty="0"/>
+              <a:rPr lang="en-US" sz="1600" dirty="0">
+                <a:highlight>
+                  <a:srgbClr val="FFFF00"/>
+                </a:highlight>
+              </a:rPr>
               <a:t>/</a:t>
             </a:r>
             <a:r>
-              <a:rPr lang="en-US" sz="1600" dirty="0" err="1"/>
+              <a:rPr lang="en-US" sz="1600" dirty="0" err="1">
+                <a:highlight>
+                  <a:srgbClr val="FFFF00"/>
+                </a:highlight>
+              </a:rPr>
               <a:t>fastqc</a:t>
             </a:r>
             <a:r>
-              <a:rPr lang="en-US" sz="1600" dirty="0"/>
-              <a:t> </a:t>
+              <a:rPr lang="en-US" sz="1600" dirty="0">
+                <a:highlight>
+                  <a:srgbClr val="FFFF00"/>
+                </a:highlight>
+              </a:rPr>
+              <a:t>  </a:t>
             </a:r>
             <a:r>
               <a:rPr lang="en-US" sz="1600" dirty="0">
@@ -7698,7 +7741,7 @@
         </p:nvSpPr>
         <p:spPr>
           <a:xfrm>
-            <a:off x="2079303" y="3967702"/>
+            <a:off x="2109783" y="4127722"/>
             <a:ext cx="3334867" cy="1200328"/>
           </a:xfrm>
           <a:prstGeom prst="rect">
